--- a/如何撰写专利.pptx
+++ b/如何撰写专利.pptx
@@ -230,7 +230,7 @@
           <a:p>
             <a:fld id="{E86D8963-CFCD-4740-AF60-049850373CDF}" type="datetimeFigureOut">
               <a:rPr lang="zh-CN" altLang="en-US" smtClean="0"/>
-              <a:t>2023/3/23</a:t>
+              <a:t>2023/3/24</a:t>
             </a:fld>
             <a:endParaRPr lang="zh-CN" altLang="en-US"/>
           </a:p>
@@ -2566,7 +2566,7 @@
             <a:fld id="{6489D9C7-5DC6-4263-87FF-7C99F6FB63C3}" type="datetime1">
               <a:rPr lang="zh-CN" altLang="en-US" smtClean="0"/>
               <a:pPr/>
-              <a:t>2023/3/23</a:t>
+              <a:t>2023/3/24</a:t>
             </a:fld>
             <a:endParaRPr lang="zh-CN" altLang="en-US"/>
           </a:p>
@@ -2699,7 +2699,7 @@
           <a:p>
             <a:fld id="{6489D9C7-5DC6-4263-87FF-7C99F6FB63C3}" type="datetime1">
               <a:rPr lang="zh-CN" altLang="en-US" smtClean="0"/>
-              <a:t>2023/3/23</a:t>
+              <a:t>2023/3/24</a:t>
             </a:fld>
             <a:endParaRPr lang="zh-CN" altLang="en-US"/>
           </a:p>
@@ -3956,7 +3956,7 @@
             <a:fld id="{6489D9C7-5DC6-4263-87FF-7C99F6FB63C3}" type="datetime1">
               <a:rPr lang="zh-CN" altLang="en-US" smtClean="0"/>
               <a:pPr/>
-              <a:t>2023/3/23</a:t>
+              <a:t>2023/3/24</a:t>
             </a:fld>
             <a:endParaRPr lang="zh-CN" altLang="en-US"/>
           </a:p>
@@ -4519,7 +4519,7 @@
                 <a:ea typeface="微软雅黑" panose="020B0503020204020204" pitchFamily="34" charset="-122"/>
                 <a:sym typeface="微软雅黑" panose="020B0503020204020204" pitchFamily="34" charset="-122"/>
               </a:rPr>
-              <a:t>INTELLECTUAL PROPERTY</a:t>
+              <a:t>HOW TO WRITE A PATENT</a:t>
             </a:r>
             <a:endParaRPr lang="en-US" altLang="zh-CN" sz="1800" b="1" spc="300" dirty="0">
               <a:latin typeface="微软雅黑" panose="020B0503020204020204" pitchFamily="34" charset="-122"/>
@@ -10419,7 +10419,7 @@
         <p:spPr>
           <a:xfrm>
             <a:off x="1854456" y="4518408"/>
-            <a:ext cx="1984762" cy="1346907"/>
+            <a:ext cx="1984762" cy="1895519"/>
           </a:xfrm>
           <a:prstGeom prst="rect">
             <a:avLst/>
@@ -10438,7 +10438,7 @@
               </a:lnSpc>
             </a:pPr>
             <a:r>
-              <a:rPr lang="zh-CN" altLang="en-US" sz="1400" dirty="0">
+              <a:rPr lang="zh-CN" altLang="en-US" sz="1600" dirty="0">
                 <a:solidFill>
                   <a:schemeClr val="tx1">
                     <a:lumMod val="50000"/>
@@ -10450,7 +10450,7 @@
               </a:rPr>
               <a:t>权利要求书的文字书写、纸张要求与说明书相同，也应当使用专利局的统一表格</a:t>
             </a:r>
-            <a:endParaRPr lang="zh-CN" altLang="en-US" sz="1400" dirty="0">
+            <a:endParaRPr lang="zh-CN" altLang="en-US" sz="1600" dirty="0">
               <a:solidFill>
                 <a:schemeClr val="tx1">
                   <a:lumMod val="50000"/>
@@ -10518,7 +10518,7 @@
         <p:spPr>
           <a:xfrm>
             <a:off x="4043994" y="4527576"/>
-            <a:ext cx="1984762" cy="1023742"/>
+            <a:ext cx="1984762" cy="1526187"/>
           </a:xfrm>
           <a:prstGeom prst="rect">
             <a:avLst/>
@@ -10537,7 +10537,7 @@
               </a:lnSpc>
             </a:pPr>
             <a:r>
-              <a:rPr lang="zh-CN" altLang="en-US" sz="1400" dirty="0">
+              <a:rPr lang="zh-CN" altLang="en-US" sz="1600" dirty="0">
                 <a:solidFill>
                   <a:schemeClr val="tx1">
                     <a:lumMod val="50000"/>
@@ -10549,7 +10549,7 @@
               </a:rPr>
               <a:t>权利要求书是一个独立文件，应与说明书分开书写，单独编页</a:t>
             </a:r>
-            <a:endParaRPr lang="zh-CN" altLang="en-US" sz="1400" dirty="0">
+            <a:endParaRPr lang="zh-CN" altLang="en-US" sz="1600" dirty="0">
               <a:solidFill>
                 <a:schemeClr val="tx1">
                   <a:lumMod val="50000"/>
@@ -10616,8 +10616,8 @@
         </p:nvSpPr>
         <p:spPr>
           <a:xfrm>
-            <a:off x="6349525" y="4463258"/>
-            <a:ext cx="1984762" cy="1993238"/>
+            <a:off x="6175596" y="4558039"/>
+            <a:ext cx="2067373" cy="2135585"/>
           </a:xfrm>
           <a:prstGeom prst="rect">
             <a:avLst/>
@@ -10632,11 +10632,11 @@
           <a:p>
             <a:pPr>
               <a:lnSpc>
-                <a:spcPct val="150000"/>
+                <a:spcPct val="120000"/>
               </a:lnSpc>
             </a:pPr>
             <a:r>
-              <a:rPr lang="zh-CN" altLang="en-US" sz="1400" dirty="0">
+              <a:rPr lang="zh-CN" altLang="en-US" sz="1600" dirty="0">
                 <a:solidFill>
                   <a:schemeClr val="tx1">
                     <a:lumMod val="50000"/>
@@ -10705,7 +10705,7 @@
         <p:spPr>
           <a:xfrm>
             <a:off x="8430974" y="4527576"/>
-            <a:ext cx="1984762" cy="1023742"/>
+            <a:ext cx="1984762" cy="1526187"/>
           </a:xfrm>
           <a:prstGeom prst="rect">
             <a:avLst/>
@@ -10724,7 +10724,7 @@
               </a:lnSpc>
             </a:pPr>
             <a:r>
-              <a:rPr lang="zh-CN" altLang="en-US" sz="1400" dirty="0">
+              <a:rPr lang="zh-CN" altLang="en-US" sz="1600" dirty="0">
                 <a:solidFill>
                   <a:schemeClr val="tx1">
                     <a:lumMod val="50000"/>
@@ -10736,7 +10736,7 @@
               </a:rPr>
               <a:t>权利要求应当说明发明的技术特征，清楚简要地表达请求保护的范围</a:t>
             </a:r>
-            <a:endParaRPr lang="zh-CN" altLang="en-US" sz="1400" dirty="0">
+            <a:endParaRPr lang="zh-CN" altLang="en-US" sz="1600" dirty="0">
               <a:solidFill>
                 <a:schemeClr val="tx1">
                   <a:lumMod val="50000"/>
@@ -14024,7 +14024,41 @@
                     <a:latin typeface="微软雅黑" panose="020B0503020204020204" pitchFamily="34" charset="-122"/>
                     <a:ea typeface="微软雅黑" panose="020B0503020204020204" pitchFamily="34" charset="-122"/>
                   </a:rPr>
-                  <a:t>独立权利要求分两部分撰写：前序部分、特征部分。前序部分写明发明要求保护的主题名称和现有技术共有的必要技术特征。特征部分写明发明或者实用新型区别于现有技术的技术特征，这是权利要求的核心内容。</a:t>
+                  <a:t>独立权利要求分两部分撰写：前序部分、特征部分。</a:t>
+                </a:r>
+                <a:r>
+                  <a:rPr lang="zh-CN" altLang="en-US" sz="1200" b="1" dirty="0">
+                    <a:solidFill>
+                      <a:srgbClr val="2B4E72"/>
+                    </a:solidFill>
+                    <a:latin typeface="微软雅黑" panose="020B0503020204020204" pitchFamily="34" charset="-122"/>
+                    <a:ea typeface="微软雅黑" panose="020B0503020204020204" pitchFamily="34" charset="-122"/>
+                  </a:rPr>
+                  <a:t>前序部分</a:t>
+                </a:r>
+                <a:r>
+                  <a:rPr lang="zh-CN" altLang="en-US" sz="1200" dirty="0">
+                    <a:latin typeface="微软雅黑" panose="020B0503020204020204" pitchFamily="34" charset="-122"/>
+                    <a:ea typeface="微软雅黑" panose="020B0503020204020204" pitchFamily="34" charset="-122"/>
+                  </a:rPr>
+                  <a:t>写明发明要求保护的主题名称和现有技术共有的必要技术特征。</a:t>
+                </a:r>
+                <a:r>
+                  <a:rPr lang="zh-CN" altLang="en-US" sz="1200" b="1" dirty="0">
+                    <a:solidFill>
+                      <a:srgbClr val="2B4E72"/>
+                    </a:solidFill>
+                    <a:latin typeface="微软雅黑" panose="020B0503020204020204" pitchFamily="34" charset="-122"/>
+                    <a:ea typeface="微软雅黑" panose="020B0503020204020204" pitchFamily="34" charset="-122"/>
+                  </a:rPr>
+                  <a:t>特征部分</a:t>
+                </a:r>
+                <a:r>
+                  <a:rPr lang="zh-CN" altLang="en-US" sz="1200" dirty="0">
+                    <a:latin typeface="微软雅黑" panose="020B0503020204020204" pitchFamily="34" charset="-122"/>
+                    <a:ea typeface="微软雅黑" panose="020B0503020204020204" pitchFamily="34" charset="-122"/>
+                  </a:rPr>
+                  <a:t>写明发明或者实用新型区别于现有技术的技术特征，这是权利要求的核心内容。</a:t>
                 </a:r>
                 <a:endParaRPr lang="en-US" altLang="zh-CN" sz="1200" dirty="0">
                   <a:latin typeface="微软雅黑" panose="020B0503020204020204" pitchFamily="34" charset="-122"/>
@@ -14214,7 +14248,41 @@
                     <a:latin typeface="微软雅黑" panose="020B0503020204020204" pitchFamily="34" charset="-122"/>
                     <a:ea typeface="微软雅黑" panose="020B0503020204020204" pitchFamily="34" charset="-122"/>
                   </a:rPr>
-                  <a:t>从属权利要求也应分两部分撰写：引用部分、限定部分。引用部分写明被引用的权利要求的编号及发明或实用新型主题名称。限定部分写明发明或者实用新型附加的技术特征。</a:t>
+                  <a:t>从属权利要求也应分两部分撰写：引用部分、限定部分。</a:t>
+                </a:r>
+                <a:r>
+                  <a:rPr lang="zh-CN" altLang="en-US" sz="1200" b="1" dirty="0">
+                    <a:solidFill>
+                      <a:srgbClr val="2B4E72"/>
+                    </a:solidFill>
+                    <a:latin typeface="微软雅黑" panose="020B0503020204020204" pitchFamily="34" charset="-122"/>
+                    <a:ea typeface="微软雅黑" panose="020B0503020204020204" pitchFamily="34" charset="-122"/>
+                  </a:rPr>
+                  <a:t>引用部分</a:t>
+                </a:r>
+                <a:r>
+                  <a:rPr lang="zh-CN" altLang="en-US" sz="1200" dirty="0">
+                    <a:latin typeface="微软雅黑" panose="020B0503020204020204" pitchFamily="34" charset="-122"/>
+                    <a:ea typeface="微软雅黑" panose="020B0503020204020204" pitchFamily="34" charset="-122"/>
+                  </a:rPr>
+                  <a:t>写明被引用的权利要求的编号及发明或实用新型主题名称。</a:t>
+                </a:r>
+                <a:r>
+                  <a:rPr lang="zh-CN" altLang="en-US" sz="1200" b="1" dirty="0">
+                    <a:solidFill>
+                      <a:srgbClr val="2B4E72"/>
+                    </a:solidFill>
+                    <a:latin typeface="微软雅黑" panose="020B0503020204020204" pitchFamily="34" charset="-122"/>
+                    <a:ea typeface="微软雅黑" panose="020B0503020204020204" pitchFamily="34" charset="-122"/>
+                  </a:rPr>
+                  <a:t>限定部分</a:t>
+                </a:r>
+                <a:r>
+                  <a:rPr lang="zh-CN" altLang="en-US" sz="1200" dirty="0">
+                    <a:latin typeface="微软雅黑" panose="020B0503020204020204" pitchFamily="34" charset="-122"/>
+                    <a:ea typeface="微软雅黑" panose="020B0503020204020204" pitchFamily="34" charset="-122"/>
+                  </a:rPr>
+                  <a:t>写明发明或者实用新型附加的技术特征。</a:t>
                 </a:r>
                 <a:endParaRPr lang="en-US" altLang="zh-CN" sz="1200" dirty="0">
                   <a:latin typeface="微软雅黑" panose="020B0503020204020204" pitchFamily="34" charset="-122"/>
@@ -14392,7 +14460,24 @@
                     <a:latin typeface="微软雅黑" panose="020B0503020204020204" pitchFamily="34" charset="-122"/>
                     <a:ea typeface="微软雅黑" panose="020B0503020204020204" pitchFamily="34" charset="-122"/>
                   </a:rPr>
-                  <a:t>权利要求书应当以说明书为依据，其中的权利要求应当受说明书的支持，其提出的保护范围应当与说明书中公开的内容相适应。</a:t>
+                  <a:t>权利要求书应当以说明书为依据，其中的权利要求应当受说明书的支持，其提出的保护范围应当与说明书中公开的</a:t>
+                </a:r>
+                <a:r>
+                  <a:rPr lang="zh-CN" altLang="en-US" sz="1200" b="1" dirty="0">
+                    <a:solidFill>
+                      <a:srgbClr val="2B4E72"/>
+                    </a:solidFill>
+                    <a:latin typeface="微软雅黑" panose="020B0503020204020204" pitchFamily="34" charset="-122"/>
+                    <a:ea typeface="微软雅黑" panose="020B0503020204020204" pitchFamily="34" charset="-122"/>
+                  </a:rPr>
+                  <a:t>内容相适应</a:t>
+                </a:r>
+                <a:r>
+                  <a:rPr lang="zh-CN" altLang="en-US" sz="1200" dirty="0">
+                    <a:latin typeface="微软雅黑" panose="020B0503020204020204" pitchFamily="34" charset="-122"/>
+                    <a:ea typeface="微软雅黑" panose="020B0503020204020204" pitchFamily="34" charset="-122"/>
+                  </a:rPr>
+                  <a:t>。</a:t>
                 </a:r>
                 <a:endParaRPr lang="zh-CN" altLang="en-US" sz="1200" dirty="0">
                   <a:latin typeface="微软雅黑" panose="020B0503020204020204" pitchFamily="34" charset="-122"/>
@@ -14576,7 +14661,41 @@
                     <a:latin typeface="微软雅黑" panose="020B0503020204020204" pitchFamily="34" charset="-122"/>
                     <a:ea typeface="微软雅黑" panose="020B0503020204020204" pitchFamily="34" charset="-122"/>
                   </a:rPr>
-                  <a:t>一项权利要求要用一句话表达，中间可以有逗号、顿号、分号，但不能有句号，以强调其意思的不可分割的单一性和独立性。</a:t>
+                  <a:t>一项权利要求要用</a:t>
+                </a:r>
+                <a:r>
+                  <a:rPr lang="zh-CN" altLang="en-US" sz="1200" b="1" dirty="0">
+                    <a:solidFill>
+                      <a:srgbClr val="2B4E72"/>
+                    </a:solidFill>
+                    <a:latin typeface="微软雅黑" panose="020B0503020204020204" pitchFamily="34" charset="-122"/>
+                    <a:ea typeface="微软雅黑" panose="020B0503020204020204" pitchFamily="34" charset="-122"/>
+                  </a:rPr>
+                  <a:t>一句话</a:t>
+                </a:r>
+                <a:r>
+                  <a:rPr lang="zh-CN" altLang="en-US" sz="1200" dirty="0">
+                    <a:latin typeface="微软雅黑" panose="020B0503020204020204" pitchFamily="34" charset="-122"/>
+                    <a:ea typeface="微软雅黑" panose="020B0503020204020204" pitchFamily="34" charset="-122"/>
+                  </a:rPr>
+                  <a:t>表达，中间可以有逗号、顿号、分号，但不能有句号，以强调其意思的</a:t>
+                </a:r>
+                <a:r>
+                  <a:rPr lang="zh-CN" altLang="en-US" sz="1200" b="1" dirty="0">
+                    <a:solidFill>
+                      <a:srgbClr val="2B4E72"/>
+                    </a:solidFill>
+                    <a:latin typeface="微软雅黑" panose="020B0503020204020204" pitchFamily="34" charset="-122"/>
+                    <a:ea typeface="微软雅黑" panose="020B0503020204020204" pitchFamily="34" charset="-122"/>
+                  </a:rPr>
+                  <a:t>不可分割</a:t>
+                </a:r>
+                <a:r>
+                  <a:rPr lang="zh-CN" altLang="en-US" sz="1200" dirty="0">
+                    <a:latin typeface="微软雅黑" panose="020B0503020204020204" pitchFamily="34" charset="-122"/>
+                    <a:ea typeface="微软雅黑" panose="020B0503020204020204" pitchFamily="34" charset="-122"/>
+                  </a:rPr>
+                  <a:t>的单一性和独立性。</a:t>
                 </a:r>
               </a:p>
             </p:txBody>
@@ -16205,20 +16324,40 @@
               <a:t>，摘要附图的大小和清晰度，应当保证在该图缩小到</a:t>
             </a:r>
             <a:r>
-              <a:rPr lang="en-US" altLang="zh-CN" dirty="0"/>
+              <a:rPr lang="en-US" altLang="zh-CN" b="1" dirty="0">
+                <a:solidFill>
+                  <a:srgbClr val="2B4E72"/>
+                </a:solidFill>
+              </a:rPr>
               <a:t>4</a:t>
             </a:r>
             <a:r>
-              <a:rPr lang="zh-CN" altLang="zh-CN" dirty="0"/>
+              <a:rPr lang="zh-CN" altLang="zh-CN" b="1" dirty="0">
+                <a:solidFill>
+                  <a:srgbClr val="2B4E72"/>
+                </a:solidFill>
+              </a:rPr>
               <a:t>厘米</a:t>
             </a:r>
             <a:r>
-              <a:rPr lang="en-US" altLang="zh-CN" dirty="0"/>
+              <a:rPr lang="en-US" altLang="zh-CN" b="1" dirty="0">
+                <a:solidFill>
+                  <a:srgbClr val="2B4E72"/>
+                </a:solidFill>
+              </a:rPr>
               <a:t>×6</a:t>
             </a:r>
             <a:r>
+              <a:rPr lang="zh-CN" altLang="zh-CN" b="1" dirty="0">
+                <a:solidFill>
+                  <a:srgbClr val="2B4E72"/>
+                </a:solidFill>
+              </a:rPr>
+              <a:t>厘米</a:t>
+            </a:r>
+            <a:r>
               <a:rPr lang="zh-CN" altLang="zh-CN" dirty="0"/>
-              <a:t>厘米时，仍能清楚地分辩出图中的细节。</a:t>
+              <a:t>时，仍能清楚地分辩出图中的细节。</a:t>
             </a:r>
             <a:endParaRPr lang="zh-CN" altLang="zh-CN" sz="2000" dirty="0">
               <a:effectLst/>
@@ -17538,6 +17677,521 @@
       </p:grpSpPr>
       <p:grpSp>
         <p:nvGrpSpPr>
+          <p:cNvPr id="6" name="组合 5">
+            <a:extLst>
+              <a:ext uri="{FF2B5EF4-FFF2-40B4-BE49-F238E27FC236}">
+                <a16:creationId xmlns:a16="http://schemas.microsoft.com/office/drawing/2014/main" id="{C620BEF0-2781-4A51-950B-DF49BA104005}"/>
+              </a:ext>
+            </a:extLst>
+          </p:cNvPr>
+          <p:cNvGrpSpPr/>
+          <p:nvPr/>
+        </p:nvGrpSpPr>
+        <p:grpSpPr>
+          <a:xfrm>
+            <a:off x="6288107" y="1127580"/>
+            <a:ext cx="4405065" cy="5729902"/>
+            <a:chOff x="6288107" y="1127580"/>
+            <a:chExt cx="4405065" cy="5729902"/>
+          </a:xfrm>
+        </p:grpSpPr>
+        <p:sp>
+          <p:nvSpPr>
+            <p:cNvPr id="5" name="矩形 4">
+              <a:extLst>
+                <a:ext uri="{FF2B5EF4-FFF2-40B4-BE49-F238E27FC236}">
+                  <a16:creationId xmlns:a16="http://schemas.microsoft.com/office/drawing/2014/main" id="{0C0EA437-CE10-4CCC-8B53-C2F47BBB137F}"/>
+                </a:ext>
+              </a:extLst>
+            </p:cNvPr>
+            <p:cNvSpPr/>
+            <p:nvPr/>
+          </p:nvSpPr>
+          <p:spPr>
+            <a:xfrm>
+              <a:off x="6288107" y="1127580"/>
+              <a:ext cx="4352744" cy="5612854"/>
+            </a:xfrm>
+            <a:prstGeom prst="rect">
+              <a:avLst/>
+            </a:prstGeom>
+            <a:noFill/>
+            <a:ln>
+              <a:solidFill>
+                <a:schemeClr val="tx1"/>
+              </a:solidFill>
+            </a:ln>
+          </p:spPr>
+          <p:style>
+            <a:lnRef idx="2">
+              <a:schemeClr val="accent1">
+                <a:shade val="50000"/>
+              </a:schemeClr>
+            </a:lnRef>
+            <a:fillRef idx="1">
+              <a:schemeClr val="accent1"/>
+            </a:fillRef>
+            <a:effectRef idx="0">
+              <a:schemeClr val="accent1"/>
+            </a:effectRef>
+            <a:fontRef idx="minor">
+              <a:schemeClr val="lt1"/>
+            </a:fontRef>
+          </p:style>
+          <p:txBody>
+            <a:bodyPr rtlCol="0" anchor="ctr"/>
+            <a:lstStyle/>
+            <a:p>
+              <a:pPr algn="ctr"/>
+              <a:endParaRPr lang="zh-CN" altLang="en-US"/>
+            </a:p>
+          </p:txBody>
+        </p:sp>
+        <p:sp>
+          <p:nvSpPr>
+            <p:cNvPr id="12" name="矩形 11">
+              <a:extLst>
+                <a:ext uri="{FF2B5EF4-FFF2-40B4-BE49-F238E27FC236}">
+                  <a16:creationId xmlns:a16="http://schemas.microsoft.com/office/drawing/2014/main" id="{C19406A8-5CA0-4450-9554-34E4AC9D2B6F}"/>
+                </a:ext>
+              </a:extLst>
+            </p:cNvPr>
+            <p:cNvSpPr/>
+            <p:nvPr/>
+          </p:nvSpPr>
+          <p:spPr>
+            <a:xfrm>
+              <a:off x="6340428" y="1127580"/>
+              <a:ext cx="4352744" cy="5729902"/>
+            </a:xfrm>
+            <a:prstGeom prst="rect">
+              <a:avLst/>
+            </a:prstGeom>
+          </p:spPr>
+          <p:txBody>
+            <a:bodyPr wrap="square">
+              <a:spAutoFit/>
+            </a:bodyPr>
+            <a:lstStyle/>
+            <a:p>
+              <a:pPr algn="ctr">
+                <a:lnSpc>
+                  <a:spcPct val="150000"/>
+                </a:lnSpc>
+                <a:spcAft>
+                  <a:spcPts val="600"/>
+                </a:spcAft>
+              </a:pPr>
+              <a:r>
+                <a:rPr lang="zh-CN" altLang="en-US" sz="1400" b="1" dirty="0">
+                  <a:latin typeface="Times New Roman" panose="02020603050405020304" pitchFamily="18" charset="0"/>
+                  <a:ea typeface="黑体" panose="02010609060101010101" pitchFamily="49" charset="-122"/>
+                </a:rPr>
+                <a:t>一种基于聚类算法的测井曲线识别方法</a:t>
+              </a:r>
+              <a:endParaRPr lang="en-US" altLang="zh-CN" sz="1400" b="1" dirty="0">
+                <a:latin typeface="Times New Roman" panose="02020603050405020304" pitchFamily="18" charset="0"/>
+                <a:ea typeface="黑体" panose="02010609060101010101" pitchFamily="49" charset="-122"/>
+              </a:endParaRPr>
+            </a:p>
+            <a:p>
+              <a:pPr>
+                <a:lnSpc>
+                  <a:spcPct val="150000"/>
+                </a:lnSpc>
+                <a:spcAft>
+                  <a:spcPts val="600"/>
+                </a:spcAft>
+              </a:pPr>
+              <a:r>
+                <a:rPr lang="zh-CN" altLang="en-US" sz="1200" b="1" dirty="0">
+                  <a:latin typeface="Times New Roman" panose="02020603050405020304" pitchFamily="18" charset="0"/>
+                  <a:ea typeface="黑体" panose="02010609060101010101" pitchFamily="49" charset="-122"/>
+                </a:rPr>
+                <a:t>技术领域</a:t>
+              </a:r>
+              <a:endParaRPr lang="en-US" altLang="zh-CN" sz="1200" b="1" dirty="0">
+                <a:latin typeface="Times New Roman" panose="02020603050405020304" pitchFamily="18" charset="0"/>
+                <a:ea typeface="黑体" panose="02010609060101010101" pitchFamily="49" charset="-122"/>
+              </a:endParaRPr>
+            </a:p>
+            <a:p>
+              <a:pPr>
+                <a:lnSpc>
+                  <a:spcPct val="150000"/>
+                </a:lnSpc>
+                <a:spcAft>
+                  <a:spcPts val="600"/>
+                </a:spcAft>
+              </a:pPr>
+              <a:r>
+                <a:rPr lang="en-US" altLang="zh-CN" sz="1200" dirty="0">
+                  <a:latin typeface="Times New Roman" panose="02020603050405020304" pitchFamily="18" charset="0"/>
+                  <a:ea typeface="黑体" panose="02010609060101010101" pitchFamily="49" charset="-122"/>
+                </a:rPr>
+                <a:t>[0001]  </a:t>
+              </a:r>
+              <a:r>
+                <a:rPr lang="en-US" altLang="zh-CN" sz="1200" dirty="0" err="1">
+                  <a:latin typeface="Times New Roman" panose="02020603050405020304" pitchFamily="18" charset="0"/>
+                  <a:ea typeface="黑体" panose="02010609060101010101" pitchFamily="49" charset="-122"/>
+                </a:rPr>
+                <a:t>xxxxxxxxxxxxxxxxxxxxxxxxxxxxxxxxxxxxxxxxxx</a:t>
+              </a:r>
+              <a:endParaRPr lang="en-US" altLang="zh-CN" sz="1200" dirty="0">
+                <a:latin typeface="Times New Roman" panose="02020603050405020304" pitchFamily="18" charset="0"/>
+                <a:ea typeface="黑体" panose="02010609060101010101" pitchFamily="49" charset="-122"/>
+              </a:endParaRPr>
+            </a:p>
+            <a:p>
+              <a:pPr>
+                <a:lnSpc>
+                  <a:spcPct val="150000"/>
+                </a:lnSpc>
+                <a:spcAft>
+                  <a:spcPts val="600"/>
+                </a:spcAft>
+              </a:pPr>
+              <a:r>
+                <a:rPr lang="zh-CN" altLang="en-US" sz="1200" b="1" dirty="0">
+                  <a:latin typeface="Times New Roman" panose="02020603050405020304" pitchFamily="18" charset="0"/>
+                  <a:ea typeface="黑体" panose="02010609060101010101" pitchFamily="49" charset="-122"/>
+                </a:rPr>
+                <a:t>背景技术</a:t>
+              </a:r>
+              <a:endParaRPr lang="en-US" altLang="zh-CN" sz="1200" b="1" dirty="0">
+                <a:latin typeface="Times New Roman" panose="02020603050405020304" pitchFamily="18" charset="0"/>
+                <a:ea typeface="黑体" panose="02010609060101010101" pitchFamily="49" charset="-122"/>
+              </a:endParaRPr>
+            </a:p>
+            <a:p>
+              <a:pPr>
+                <a:lnSpc>
+                  <a:spcPct val="150000"/>
+                </a:lnSpc>
+                <a:spcAft>
+                  <a:spcPts val="600"/>
+                </a:spcAft>
+              </a:pPr>
+              <a:r>
+                <a:rPr lang="en-US" altLang="zh-CN" sz="1200" dirty="0">
+                  <a:latin typeface="Times New Roman" panose="02020603050405020304" pitchFamily="18" charset="0"/>
+                  <a:ea typeface="黑体" panose="02010609060101010101" pitchFamily="49" charset="-122"/>
+                </a:rPr>
+                <a:t>[0002]  </a:t>
+              </a:r>
+              <a:r>
+                <a:rPr lang="en-US" altLang="zh-CN" sz="1200" dirty="0" err="1">
+                  <a:latin typeface="Times New Roman" panose="02020603050405020304" pitchFamily="18" charset="0"/>
+                  <a:ea typeface="黑体" panose="02010609060101010101" pitchFamily="49" charset="-122"/>
+                </a:rPr>
+                <a:t>xxxxxxxxxxxxxxxxxxxxxxxxxxxxxxxxxxxxxxxxxx</a:t>
+              </a:r>
+              <a:endParaRPr lang="en-US" altLang="zh-CN" sz="1200" dirty="0">
+                <a:latin typeface="Times New Roman" panose="02020603050405020304" pitchFamily="18" charset="0"/>
+                <a:ea typeface="黑体" panose="02010609060101010101" pitchFamily="49" charset="-122"/>
+              </a:endParaRPr>
+            </a:p>
+            <a:p>
+              <a:pPr>
+                <a:lnSpc>
+                  <a:spcPct val="150000"/>
+                </a:lnSpc>
+                <a:spcAft>
+                  <a:spcPts val="600"/>
+                </a:spcAft>
+              </a:pPr>
+              <a:r>
+                <a:rPr lang="en-US" altLang="zh-CN" sz="1200" dirty="0">
+                  <a:latin typeface="Times New Roman" panose="02020603050405020304" pitchFamily="18" charset="0"/>
+                  <a:ea typeface="黑体" panose="02010609060101010101" pitchFamily="49" charset="-122"/>
+                </a:rPr>
+                <a:t>[0003]  </a:t>
+              </a:r>
+              <a:r>
+                <a:rPr lang="en-US" altLang="zh-CN" sz="1200" dirty="0" err="1">
+                  <a:latin typeface="Times New Roman" panose="02020603050405020304" pitchFamily="18" charset="0"/>
+                  <a:ea typeface="黑体" panose="02010609060101010101" pitchFamily="49" charset="-122"/>
+                </a:rPr>
+                <a:t>xxxxxxxxxxxxxxxxxxxxxxxxxxxxxxxxxxxxxxxxxx</a:t>
+              </a:r>
+              <a:endParaRPr lang="en-US" altLang="zh-CN" sz="1200" b="1" dirty="0">
+                <a:latin typeface="Times New Roman" panose="02020603050405020304" pitchFamily="18" charset="0"/>
+                <a:ea typeface="黑体" panose="02010609060101010101" pitchFamily="49" charset="-122"/>
+              </a:endParaRPr>
+            </a:p>
+            <a:p>
+              <a:pPr>
+                <a:lnSpc>
+                  <a:spcPct val="150000"/>
+                </a:lnSpc>
+                <a:spcAft>
+                  <a:spcPts val="600"/>
+                </a:spcAft>
+              </a:pPr>
+              <a:r>
+                <a:rPr lang="zh-CN" altLang="en-US" sz="1200" b="1" dirty="0">
+                  <a:latin typeface="Times New Roman" panose="02020603050405020304" pitchFamily="18" charset="0"/>
+                  <a:ea typeface="黑体" panose="02010609060101010101" pitchFamily="49" charset="-122"/>
+                </a:rPr>
+                <a:t>发明内容</a:t>
+              </a:r>
+              <a:endParaRPr lang="en-US" altLang="zh-CN" sz="1200" b="1" dirty="0">
+                <a:latin typeface="Times New Roman" panose="02020603050405020304" pitchFamily="18" charset="0"/>
+                <a:ea typeface="黑体" panose="02010609060101010101" pitchFamily="49" charset="-122"/>
+              </a:endParaRPr>
+            </a:p>
+            <a:p>
+              <a:pPr>
+                <a:lnSpc>
+                  <a:spcPct val="150000"/>
+                </a:lnSpc>
+                <a:spcAft>
+                  <a:spcPts val="600"/>
+                </a:spcAft>
+              </a:pPr>
+              <a:r>
+                <a:rPr lang="en-US" altLang="zh-CN" sz="1200" dirty="0">
+                  <a:latin typeface="Times New Roman" panose="02020603050405020304" pitchFamily="18" charset="0"/>
+                  <a:ea typeface="黑体" panose="02010609060101010101" pitchFamily="49" charset="-122"/>
+                </a:rPr>
+                <a:t>[0005]  </a:t>
+              </a:r>
+              <a:r>
+                <a:rPr lang="zh-CN" altLang="en-US" sz="1000" dirty="0"/>
+                <a:t>本发明的目的在于避免（克服论述</a:t>
+              </a:r>
+              <a:r>
+                <a:rPr lang="en-US" altLang="zh-CN" sz="1000" dirty="0"/>
+                <a:t>…</a:t>
+              </a:r>
+              <a:r>
+                <a:rPr lang="zh-CN" altLang="en-US" sz="1000" dirty="0"/>
+                <a:t>中的不足（缺点）而</a:t>
+              </a:r>
+              <a:endParaRPr lang="en-US" altLang="zh-CN" sz="1000" dirty="0"/>
+            </a:p>
+            <a:p>
+              <a:pPr>
+                <a:lnSpc>
+                  <a:spcPct val="150000"/>
+                </a:lnSpc>
+                <a:spcAft>
+                  <a:spcPts val="600"/>
+                </a:spcAft>
+              </a:pPr>
+              <a:r>
+                <a:rPr lang="zh-CN" altLang="en-US" sz="1000" dirty="0"/>
+                <a:t>提供一种</a:t>
+              </a:r>
+              <a:r>
+                <a:rPr lang="en-US" altLang="zh-CN" sz="1000" dirty="0"/>
+                <a:t>…</a:t>
+              </a:r>
+              <a:r>
+                <a:rPr lang="zh-CN" altLang="en-US" sz="1000" dirty="0"/>
+                <a:t>产品（方法）。</a:t>
+              </a:r>
+              <a:r>
+                <a:rPr lang="en-US" altLang="zh-CN" sz="1100" dirty="0" err="1">
+                  <a:latin typeface="Times New Roman" panose="02020603050405020304" pitchFamily="18" charset="0"/>
+                  <a:ea typeface="黑体" panose="02010609060101010101" pitchFamily="49" charset="-122"/>
+                </a:rPr>
+                <a:t>xxxxxxxxxxxxxxxxxxxxxxxxxxxxxx</a:t>
+              </a:r>
+              <a:endParaRPr lang="en-US" altLang="zh-CN" sz="1000" dirty="0">
+                <a:latin typeface="Times New Roman" panose="02020603050405020304" pitchFamily="18" charset="0"/>
+                <a:ea typeface="黑体" panose="02010609060101010101" pitchFamily="49" charset="-122"/>
+              </a:endParaRPr>
+            </a:p>
+            <a:p>
+              <a:pPr>
+                <a:lnSpc>
+                  <a:spcPct val="150000"/>
+                </a:lnSpc>
+                <a:spcAft>
+                  <a:spcPts val="600"/>
+                </a:spcAft>
+              </a:pPr>
+              <a:r>
+                <a:rPr lang="en-US" altLang="zh-CN" sz="1200" dirty="0">
+                  <a:latin typeface="Times New Roman" panose="02020603050405020304" pitchFamily="18" charset="0"/>
+                  <a:ea typeface="黑体" panose="02010609060101010101" pitchFamily="49" charset="-122"/>
+                </a:rPr>
+                <a:t>[0006]  </a:t>
+              </a:r>
+              <a:r>
+                <a:rPr lang="en-US" altLang="zh-CN" sz="1200" dirty="0" err="1">
+                  <a:latin typeface="Times New Roman" panose="02020603050405020304" pitchFamily="18" charset="0"/>
+                  <a:ea typeface="黑体" panose="02010609060101010101" pitchFamily="49" charset="-122"/>
+                </a:rPr>
+                <a:t>xxxxxxxxxxxxxxxxxxxxxxxxxxxxxxxxxxxxxxxxxx</a:t>
+              </a:r>
+              <a:endParaRPr lang="en-US" altLang="zh-CN" sz="1200" b="1" dirty="0">
+                <a:latin typeface="Times New Roman" panose="02020603050405020304" pitchFamily="18" charset="0"/>
+                <a:ea typeface="黑体" panose="02010609060101010101" pitchFamily="49" charset="-122"/>
+              </a:endParaRPr>
+            </a:p>
+            <a:p>
+              <a:pPr>
+                <a:lnSpc>
+                  <a:spcPct val="150000"/>
+                </a:lnSpc>
+                <a:spcAft>
+                  <a:spcPts val="600"/>
+                </a:spcAft>
+              </a:pPr>
+              <a:r>
+                <a:rPr lang="zh-CN" altLang="en-US" sz="1200" b="1" dirty="0">
+                  <a:latin typeface="Times New Roman" panose="02020603050405020304" pitchFamily="18" charset="0"/>
+                  <a:ea typeface="黑体" panose="02010609060101010101" pitchFamily="49" charset="-122"/>
+                </a:rPr>
+                <a:t>附图说明</a:t>
+              </a:r>
+              <a:endParaRPr lang="en-US" altLang="zh-CN" sz="1200" b="1" dirty="0">
+                <a:latin typeface="Times New Roman" panose="02020603050405020304" pitchFamily="18" charset="0"/>
+                <a:ea typeface="黑体" panose="02010609060101010101" pitchFamily="49" charset="-122"/>
+              </a:endParaRPr>
+            </a:p>
+            <a:p>
+              <a:pPr>
+                <a:lnSpc>
+                  <a:spcPct val="150000"/>
+                </a:lnSpc>
+                <a:spcAft>
+                  <a:spcPts val="600"/>
+                </a:spcAft>
+              </a:pPr>
+              <a:r>
+                <a:rPr lang="en-US" altLang="zh-CN" sz="1200" dirty="0">
+                  <a:latin typeface="Times New Roman" panose="02020603050405020304" pitchFamily="18" charset="0"/>
+                  <a:ea typeface="黑体" panose="02010609060101010101" pitchFamily="49" charset="-122"/>
+                </a:rPr>
+                <a:t>[0036]  </a:t>
+              </a:r>
+              <a:r>
+                <a:rPr lang="zh-CN" altLang="en-US" sz="1000" dirty="0"/>
+                <a:t>图</a:t>
+              </a:r>
+              <a:r>
+                <a:rPr lang="en-US" altLang="zh-CN" sz="1000" dirty="0"/>
+                <a:t>1</a:t>
+              </a:r>
+              <a:r>
+                <a:rPr lang="zh-CN" altLang="en-US" sz="1000" dirty="0"/>
+                <a:t>是本发明的俯视图</a:t>
+              </a:r>
+            </a:p>
+            <a:p>
+              <a:pPr>
+                <a:lnSpc>
+                  <a:spcPct val="150000"/>
+                </a:lnSpc>
+                <a:spcAft>
+                  <a:spcPts val="600"/>
+                </a:spcAft>
+              </a:pPr>
+              <a:r>
+                <a:rPr lang="en-US" altLang="zh-CN" sz="1200" dirty="0">
+                  <a:latin typeface="Times New Roman" panose="02020603050405020304" pitchFamily="18" charset="0"/>
+                  <a:ea typeface="黑体" panose="02010609060101010101" pitchFamily="49" charset="-122"/>
+                </a:rPr>
+                <a:t>[0037]  </a:t>
+              </a:r>
+              <a:r>
+                <a:rPr lang="en-US" altLang="zh-CN" sz="1200" dirty="0" err="1">
+                  <a:latin typeface="Times New Roman" panose="02020603050405020304" pitchFamily="18" charset="0"/>
+                  <a:ea typeface="黑体" panose="02010609060101010101" pitchFamily="49" charset="-122"/>
+                </a:rPr>
+                <a:t>xxxxxxxxxxxxxxxxxxxxxxxxxxxxxxxxxxxxxxxxxx</a:t>
+              </a:r>
+              <a:endParaRPr lang="en-US" altLang="zh-CN" sz="1200" b="1" dirty="0">
+                <a:latin typeface="Times New Roman" panose="02020603050405020304" pitchFamily="18" charset="0"/>
+                <a:ea typeface="黑体" panose="02010609060101010101" pitchFamily="49" charset="-122"/>
+              </a:endParaRPr>
+            </a:p>
+            <a:p>
+              <a:pPr>
+                <a:lnSpc>
+                  <a:spcPct val="150000"/>
+                </a:lnSpc>
+                <a:spcAft>
+                  <a:spcPts val="600"/>
+                </a:spcAft>
+              </a:pPr>
+              <a:r>
+                <a:rPr lang="zh-CN" altLang="en-US" sz="1200" b="1" dirty="0">
+                  <a:latin typeface="Times New Roman" panose="02020603050405020304" pitchFamily="18" charset="0"/>
+                  <a:ea typeface="黑体" panose="02010609060101010101" pitchFamily="49" charset="-122"/>
+                </a:rPr>
+                <a:t>具体的实施方式</a:t>
+              </a:r>
+              <a:endParaRPr lang="en-US" altLang="zh-CN" sz="1200" b="1" dirty="0">
+                <a:latin typeface="Times New Roman" panose="02020603050405020304" pitchFamily="18" charset="0"/>
+                <a:ea typeface="黑体" panose="02010609060101010101" pitchFamily="49" charset="-122"/>
+              </a:endParaRPr>
+            </a:p>
+            <a:p>
+              <a:pPr>
+                <a:lnSpc>
+                  <a:spcPct val="150000"/>
+                </a:lnSpc>
+                <a:spcAft>
+                  <a:spcPts val="600"/>
+                </a:spcAft>
+              </a:pPr>
+              <a:r>
+                <a:rPr lang="en-US" altLang="zh-CN" sz="1200" dirty="0">
+                  <a:latin typeface="Times New Roman" panose="02020603050405020304" pitchFamily="18" charset="0"/>
+                  <a:ea typeface="黑体" panose="02010609060101010101" pitchFamily="49" charset="-122"/>
+                </a:rPr>
+                <a:t>[0040]  </a:t>
+              </a:r>
+              <a:r>
+                <a:rPr lang="en-US" altLang="zh-CN" sz="1200" dirty="0" err="1">
+                  <a:latin typeface="Times New Roman" panose="02020603050405020304" pitchFamily="18" charset="0"/>
+                  <a:ea typeface="黑体" panose="02010609060101010101" pitchFamily="49" charset="-122"/>
+                </a:rPr>
+                <a:t>xxxxxxxxxxxxxxxxxxxxxxxxxxxxxxxxxxxxxxxxxx</a:t>
+              </a:r>
+              <a:endParaRPr lang="en-US" altLang="zh-CN" sz="1200" dirty="0">
+                <a:latin typeface="Times New Roman" panose="02020603050405020304" pitchFamily="18" charset="0"/>
+                <a:ea typeface="黑体" panose="02010609060101010101" pitchFamily="49" charset="-122"/>
+              </a:endParaRPr>
+            </a:p>
+            <a:p>
+              <a:pPr>
+                <a:lnSpc>
+                  <a:spcPct val="150000"/>
+                </a:lnSpc>
+                <a:spcAft>
+                  <a:spcPts val="600"/>
+                </a:spcAft>
+              </a:pPr>
+              <a:r>
+                <a:rPr lang="en-US" altLang="zh-CN" sz="1200" dirty="0">
+                  <a:latin typeface="Times New Roman" panose="02020603050405020304" pitchFamily="18" charset="0"/>
+                  <a:ea typeface="黑体" panose="02010609060101010101" pitchFamily="49" charset="-122"/>
+                </a:rPr>
+                <a:t>[0041]  </a:t>
+              </a:r>
+              <a:r>
+                <a:rPr lang="en-US" altLang="zh-CN" sz="1200" dirty="0" err="1">
+                  <a:latin typeface="Times New Roman" panose="02020603050405020304" pitchFamily="18" charset="0"/>
+                  <a:ea typeface="黑体" panose="02010609060101010101" pitchFamily="49" charset="-122"/>
+                </a:rPr>
+                <a:t>xxxxxxxxxxxxxxxxxxxxxxxxxxxxxxxxxxxxxxxxxx</a:t>
+              </a:r>
+              <a:endParaRPr lang="en-US" altLang="zh-CN" sz="1200" b="1" dirty="0">
+                <a:latin typeface="Times New Roman" panose="02020603050405020304" pitchFamily="18" charset="0"/>
+                <a:ea typeface="黑体" panose="02010609060101010101" pitchFamily="49" charset="-122"/>
+              </a:endParaRPr>
+            </a:p>
+          </p:txBody>
+        </p:sp>
+      </p:grpSp>
+      <p:grpSp>
+        <p:nvGrpSpPr>
           <p:cNvPr id="26" name="îsḻïḑé">
             <a:extLst>
               <a:ext uri="{FF2B5EF4-FFF2-40B4-BE49-F238E27FC236}">
@@ -18436,485 +19090,6 @@
           </a:p>
         </p:txBody>
       </p:sp>
-      <p:grpSp>
-        <p:nvGrpSpPr>
-          <p:cNvPr id="6" name="组合 5">
-            <a:extLst>
-              <a:ext uri="{FF2B5EF4-FFF2-40B4-BE49-F238E27FC236}">
-                <a16:creationId xmlns:a16="http://schemas.microsoft.com/office/drawing/2014/main" id="{C620BEF0-2781-4A51-950B-DF49BA104005}"/>
-              </a:ext>
-            </a:extLst>
-          </p:cNvPr>
-          <p:cNvGrpSpPr/>
-          <p:nvPr/>
-        </p:nvGrpSpPr>
-        <p:grpSpPr>
-          <a:xfrm>
-            <a:off x="6288107" y="1127580"/>
-            <a:ext cx="4405065" cy="5612854"/>
-            <a:chOff x="6288107" y="1127580"/>
-            <a:chExt cx="4405065" cy="5612854"/>
-          </a:xfrm>
-        </p:grpSpPr>
-        <p:sp>
-          <p:nvSpPr>
-            <p:cNvPr id="5" name="矩形 4">
-              <a:extLst>
-                <a:ext uri="{FF2B5EF4-FFF2-40B4-BE49-F238E27FC236}">
-                  <a16:creationId xmlns:a16="http://schemas.microsoft.com/office/drawing/2014/main" id="{0C0EA437-CE10-4CCC-8B53-C2F47BBB137F}"/>
-                </a:ext>
-              </a:extLst>
-            </p:cNvPr>
-            <p:cNvSpPr/>
-            <p:nvPr/>
-          </p:nvSpPr>
-          <p:spPr>
-            <a:xfrm>
-              <a:off x="6288107" y="1127580"/>
-              <a:ext cx="4352744" cy="5612854"/>
-            </a:xfrm>
-            <a:prstGeom prst="rect">
-              <a:avLst/>
-            </a:prstGeom>
-            <a:noFill/>
-            <a:ln>
-              <a:solidFill>
-                <a:schemeClr val="tx1"/>
-              </a:solidFill>
-            </a:ln>
-          </p:spPr>
-          <p:style>
-            <a:lnRef idx="2">
-              <a:schemeClr val="accent1">
-                <a:shade val="50000"/>
-              </a:schemeClr>
-            </a:lnRef>
-            <a:fillRef idx="1">
-              <a:schemeClr val="accent1"/>
-            </a:fillRef>
-            <a:effectRef idx="0">
-              <a:schemeClr val="accent1"/>
-            </a:effectRef>
-            <a:fontRef idx="minor">
-              <a:schemeClr val="lt1"/>
-            </a:fontRef>
-          </p:style>
-          <p:txBody>
-            <a:bodyPr rtlCol="0" anchor="ctr"/>
-            <a:lstStyle/>
-            <a:p>
-              <a:pPr algn="ctr"/>
-              <a:endParaRPr lang="zh-CN" altLang="en-US"/>
-            </a:p>
-          </p:txBody>
-        </p:sp>
-        <p:sp>
-          <p:nvSpPr>
-            <p:cNvPr id="12" name="矩形 11">
-              <a:extLst>
-                <a:ext uri="{FF2B5EF4-FFF2-40B4-BE49-F238E27FC236}">
-                  <a16:creationId xmlns:a16="http://schemas.microsoft.com/office/drawing/2014/main" id="{C19406A8-5CA0-4450-9554-34E4AC9D2B6F}"/>
-                </a:ext>
-              </a:extLst>
-            </p:cNvPr>
-            <p:cNvSpPr/>
-            <p:nvPr/>
-          </p:nvSpPr>
-          <p:spPr>
-            <a:xfrm>
-              <a:off x="6340428" y="1127580"/>
-              <a:ext cx="4352744" cy="5337487"/>
-            </a:xfrm>
-            <a:prstGeom prst="rect">
-              <a:avLst/>
-            </a:prstGeom>
-          </p:spPr>
-          <p:txBody>
-            <a:bodyPr wrap="square">
-              <a:spAutoFit/>
-            </a:bodyPr>
-            <a:lstStyle/>
-            <a:p>
-              <a:pPr algn="ctr">
-                <a:lnSpc>
-                  <a:spcPct val="150000"/>
-                </a:lnSpc>
-                <a:spcAft>
-                  <a:spcPts val="600"/>
-                </a:spcAft>
-              </a:pPr>
-              <a:r>
-                <a:rPr lang="zh-CN" altLang="en-US" sz="1400" b="1" dirty="0">
-                  <a:latin typeface="Times New Roman" panose="02020603050405020304" pitchFamily="18" charset="0"/>
-                  <a:ea typeface="黑体" panose="02010609060101010101" pitchFamily="49" charset="-122"/>
-                </a:rPr>
-                <a:t>一种基于聚类算法的测井曲线识别方法</a:t>
-              </a:r>
-              <a:endParaRPr lang="en-US" altLang="zh-CN" sz="1400" b="1" dirty="0">
-                <a:latin typeface="Times New Roman" panose="02020603050405020304" pitchFamily="18" charset="0"/>
-                <a:ea typeface="黑体" panose="02010609060101010101" pitchFamily="49" charset="-122"/>
-              </a:endParaRPr>
-            </a:p>
-            <a:p>
-              <a:pPr>
-                <a:lnSpc>
-                  <a:spcPct val="150000"/>
-                </a:lnSpc>
-                <a:spcAft>
-                  <a:spcPts val="600"/>
-                </a:spcAft>
-              </a:pPr>
-              <a:r>
-                <a:rPr lang="zh-CN" altLang="en-US" sz="1200" b="1" dirty="0">
-                  <a:latin typeface="Times New Roman" panose="02020603050405020304" pitchFamily="18" charset="0"/>
-                  <a:ea typeface="黑体" panose="02010609060101010101" pitchFamily="49" charset="-122"/>
-                </a:rPr>
-                <a:t>技术领域</a:t>
-              </a:r>
-              <a:endParaRPr lang="en-US" altLang="zh-CN" sz="1200" b="1" dirty="0">
-                <a:latin typeface="Times New Roman" panose="02020603050405020304" pitchFamily="18" charset="0"/>
-                <a:ea typeface="黑体" panose="02010609060101010101" pitchFamily="49" charset="-122"/>
-              </a:endParaRPr>
-            </a:p>
-            <a:p>
-              <a:pPr>
-                <a:lnSpc>
-                  <a:spcPct val="150000"/>
-                </a:lnSpc>
-                <a:spcAft>
-                  <a:spcPts val="600"/>
-                </a:spcAft>
-              </a:pPr>
-              <a:r>
-                <a:rPr lang="en-US" altLang="zh-CN" sz="1200" dirty="0">
-                  <a:latin typeface="Times New Roman" panose="02020603050405020304" pitchFamily="18" charset="0"/>
-                  <a:ea typeface="黑体" panose="02010609060101010101" pitchFamily="49" charset="-122"/>
-                </a:rPr>
-                <a:t>[0001]  </a:t>
-              </a:r>
-              <a:r>
-                <a:rPr lang="en-US" altLang="zh-CN" sz="1200" dirty="0" err="1">
-                  <a:latin typeface="Times New Roman" panose="02020603050405020304" pitchFamily="18" charset="0"/>
-                  <a:ea typeface="黑体" panose="02010609060101010101" pitchFamily="49" charset="-122"/>
-                </a:rPr>
-                <a:t>xxxxxxxxxxxxxxxxxxxxxxxxxxxxxxxxxxxxxxxxxx</a:t>
-              </a:r>
-              <a:endParaRPr lang="en-US" altLang="zh-CN" sz="1200" dirty="0">
-                <a:latin typeface="Times New Roman" panose="02020603050405020304" pitchFamily="18" charset="0"/>
-                <a:ea typeface="黑体" panose="02010609060101010101" pitchFamily="49" charset="-122"/>
-              </a:endParaRPr>
-            </a:p>
-            <a:p>
-              <a:pPr>
-                <a:lnSpc>
-                  <a:spcPct val="150000"/>
-                </a:lnSpc>
-                <a:spcAft>
-                  <a:spcPts val="600"/>
-                </a:spcAft>
-              </a:pPr>
-              <a:r>
-                <a:rPr lang="zh-CN" altLang="en-US" sz="1200" b="1" dirty="0">
-                  <a:latin typeface="Times New Roman" panose="02020603050405020304" pitchFamily="18" charset="0"/>
-                  <a:ea typeface="黑体" panose="02010609060101010101" pitchFamily="49" charset="-122"/>
-                </a:rPr>
-                <a:t>背景技术</a:t>
-              </a:r>
-              <a:endParaRPr lang="en-US" altLang="zh-CN" sz="1200" b="1" dirty="0">
-                <a:latin typeface="Times New Roman" panose="02020603050405020304" pitchFamily="18" charset="0"/>
-                <a:ea typeface="黑体" panose="02010609060101010101" pitchFamily="49" charset="-122"/>
-              </a:endParaRPr>
-            </a:p>
-            <a:p>
-              <a:pPr>
-                <a:lnSpc>
-                  <a:spcPct val="150000"/>
-                </a:lnSpc>
-                <a:spcAft>
-                  <a:spcPts val="600"/>
-                </a:spcAft>
-              </a:pPr>
-              <a:r>
-                <a:rPr lang="en-US" altLang="zh-CN" sz="1200" dirty="0">
-                  <a:latin typeface="Times New Roman" panose="02020603050405020304" pitchFamily="18" charset="0"/>
-                  <a:ea typeface="黑体" panose="02010609060101010101" pitchFamily="49" charset="-122"/>
-                </a:rPr>
-                <a:t>[0002]  </a:t>
-              </a:r>
-              <a:r>
-                <a:rPr lang="en-US" altLang="zh-CN" sz="1200" dirty="0" err="1">
-                  <a:latin typeface="Times New Roman" panose="02020603050405020304" pitchFamily="18" charset="0"/>
-                  <a:ea typeface="黑体" panose="02010609060101010101" pitchFamily="49" charset="-122"/>
-                </a:rPr>
-                <a:t>xxxxxxxxxxxxxxxxxxxxxxxxxxxxxxxxxxxxxxxxxx</a:t>
-              </a:r>
-              <a:endParaRPr lang="en-US" altLang="zh-CN" sz="1200" dirty="0">
-                <a:latin typeface="Times New Roman" panose="02020603050405020304" pitchFamily="18" charset="0"/>
-                <a:ea typeface="黑体" panose="02010609060101010101" pitchFamily="49" charset="-122"/>
-              </a:endParaRPr>
-            </a:p>
-            <a:p>
-              <a:pPr>
-                <a:lnSpc>
-                  <a:spcPct val="150000"/>
-                </a:lnSpc>
-                <a:spcAft>
-                  <a:spcPts val="600"/>
-                </a:spcAft>
-              </a:pPr>
-              <a:r>
-                <a:rPr lang="en-US" altLang="zh-CN" sz="1200" dirty="0">
-                  <a:latin typeface="Times New Roman" panose="02020603050405020304" pitchFamily="18" charset="0"/>
-                  <a:ea typeface="黑体" panose="02010609060101010101" pitchFamily="49" charset="-122"/>
-                </a:rPr>
-                <a:t>[0003]  </a:t>
-              </a:r>
-              <a:r>
-                <a:rPr lang="en-US" altLang="zh-CN" sz="1200" dirty="0" err="1">
-                  <a:latin typeface="Times New Roman" panose="02020603050405020304" pitchFamily="18" charset="0"/>
-                  <a:ea typeface="黑体" panose="02010609060101010101" pitchFamily="49" charset="-122"/>
-                </a:rPr>
-                <a:t>xxxxxxxxxxxxxxxxxxxxxxxxxxxxxxxxxxxxxxxxxx</a:t>
-              </a:r>
-              <a:endParaRPr lang="en-US" altLang="zh-CN" sz="1200" b="1" dirty="0">
-                <a:latin typeface="Times New Roman" panose="02020603050405020304" pitchFamily="18" charset="0"/>
-                <a:ea typeface="黑体" panose="02010609060101010101" pitchFamily="49" charset="-122"/>
-              </a:endParaRPr>
-            </a:p>
-            <a:p>
-              <a:pPr>
-                <a:lnSpc>
-                  <a:spcPct val="150000"/>
-                </a:lnSpc>
-                <a:spcAft>
-                  <a:spcPts val="600"/>
-                </a:spcAft>
-              </a:pPr>
-              <a:r>
-                <a:rPr lang="zh-CN" altLang="en-US" sz="1200" b="1" dirty="0">
-                  <a:latin typeface="Times New Roman" panose="02020603050405020304" pitchFamily="18" charset="0"/>
-                  <a:ea typeface="黑体" panose="02010609060101010101" pitchFamily="49" charset="-122"/>
-                </a:rPr>
-                <a:t>发明内容</a:t>
-              </a:r>
-              <a:endParaRPr lang="en-US" altLang="zh-CN" sz="1200" b="1" dirty="0">
-                <a:latin typeface="Times New Roman" panose="02020603050405020304" pitchFamily="18" charset="0"/>
-                <a:ea typeface="黑体" panose="02010609060101010101" pitchFamily="49" charset="-122"/>
-              </a:endParaRPr>
-            </a:p>
-            <a:p>
-              <a:pPr>
-                <a:lnSpc>
-                  <a:spcPct val="150000"/>
-                </a:lnSpc>
-                <a:spcAft>
-                  <a:spcPts val="600"/>
-                </a:spcAft>
-              </a:pPr>
-              <a:r>
-                <a:rPr lang="en-US" altLang="zh-CN" sz="1200" dirty="0">
-                  <a:latin typeface="Times New Roman" panose="02020603050405020304" pitchFamily="18" charset="0"/>
-                  <a:ea typeface="黑体" panose="02010609060101010101" pitchFamily="49" charset="-122"/>
-                </a:rPr>
-                <a:t>[0005]  </a:t>
-              </a:r>
-              <a:r>
-                <a:rPr lang="en-US" altLang="zh-CN" sz="1200" dirty="0" err="1">
-                  <a:latin typeface="Times New Roman" panose="02020603050405020304" pitchFamily="18" charset="0"/>
-                  <a:ea typeface="黑体" panose="02010609060101010101" pitchFamily="49" charset="-122"/>
-                </a:rPr>
-                <a:t>xxxxxxxxxxxxxxxxxxxxxxxxxxxxxxxxxxxxxxxxxx</a:t>
-              </a:r>
-              <a:endParaRPr lang="en-US" altLang="zh-CN" sz="1200" dirty="0">
-                <a:latin typeface="Times New Roman" panose="02020603050405020304" pitchFamily="18" charset="0"/>
-                <a:ea typeface="黑体" panose="02010609060101010101" pitchFamily="49" charset="-122"/>
-              </a:endParaRPr>
-            </a:p>
-            <a:p>
-              <a:pPr>
-                <a:lnSpc>
-                  <a:spcPct val="150000"/>
-                </a:lnSpc>
-                <a:spcAft>
-                  <a:spcPts val="600"/>
-                </a:spcAft>
-              </a:pPr>
-              <a:r>
-                <a:rPr lang="en-US" altLang="zh-CN" sz="1200" dirty="0">
-                  <a:latin typeface="Times New Roman" panose="02020603050405020304" pitchFamily="18" charset="0"/>
-                  <a:ea typeface="黑体" panose="02010609060101010101" pitchFamily="49" charset="-122"/>
-                </a:rPr>
-                <a:t>[0006]  </a:t>
-              </a:r>
-              <a:r>
-                <a:rPr lang="en-US" altLang="zh-CN" sz="1200" dirty="0" err="1">
-                  <a:latin typeface="Times New Roman" panose="02020603050405020304" pitchFamily="18" charset="0"/>
-                  <a:ea typeface="黑体" panose="02010609060101010101" pitchFamily="49" charset="-122"/>
-                </a:rPr>
-                <a:t>xxxxxxxxxxxxxxxxxxxxxxxxxxxxxxxxxxxxxxxxxx</a:t>
-              </a:r>
-              <a:endParaRPr lang="en-US" altLang="zh-CN" sz="1200" b="1" dirty="0">
-                <a:latin typeface="Times New Roman" panose="02020603050405020304" pitchFamily="18" charset="0"/>
-                <a:ea typeface="黑体" panose="02010609060101010101" pitchFamily="49" charset="-122"/>
-              </a:endParaRPr>
-            </a:p>
-            <a:p>
-              <a:pPr>
-                <a:lnSpc>
-                  <a:spcPct val="150000"/>
-                </a:lnSpc>
-                <a:spcAft>
-                  <a:spcPts val="600"/>
-                </a:spcAft>
-              </a:pPr>
-              <a:r>
-                <a:rPr lang="zh-CN" altLang="en-US" sz="1200" b="1" dirty="0">
-                  <a:latin typeface="Times New Roman" panose="02020603050405020304" pitchFamily="18" charset="0"/>
-                  <a:ea typeface="黑体" panose="02010609060101010101" pitchFamily="49" charset="-122"/>
-                </a:rPr>
-                <a:t>附图说明</a:t>
-              </a:r>
-              <a:endParaRPr lang="en-US" altLang="zh-CN" sz="1200" b="1" dirty="0">
-                <a:latin typeface="Times New Roman" panose="02020603050405020304" pitchFamily="18" charset="0"/>
-                <a:ea typeface="黑体" panose="02010609060101010101" pitchFamily="49" charset="-122"/>
-              </a:endParaRPr>
-            </a:p>
-            <a:p>
-              <a:pPr>
-                <a:lnSpc>
-                  <a:spcPct val="150000"/>
-                </a:lnSpc>
-                <a:spcAft>
-                  <a:spcPts val="600"/>
-                </a:spcAft>
-              </a:pPr>
-              <a:r>
-                <a:rPr lang="en-US" altLang="zh-CN" sz="1200" dirty="0">
-                  <a:latin typeface="Times New Roman" panose="02020603050405020304" pitchFamily="18" charset="0"/>
-                  <a:ea typeface="黑体" panose="02010609060101010101" pitchFamily="49" charset="-122"/>
-                </a:rPr>
-                <a:t>[0036]  </a:t>
-              </a:r>
-              <a:r>
-                <a:rPr lang="en-US" altLang="zh-CN" sz="1200" dirty="0" err="1">
-                  <a:latin typeface="Times New Roman" panose="02020603050405020304" pitchFamily="18" charset="0"/>
-                  <a:ea typeface="黑体" panose="02010609060101010101" pitchFamily="49" charset="-122"/>
-                </a:rPr>
-                <a:t>xxxxxxxxxxxxxxxxxxxxxxxxxxxxxxxxxxxxxxxxxx</a:t>
-              </a:r>
-              <a:endParaRPr lang="zh-CN" altLang="en-US" sz="1200" dirty="0">
-                <a:latin typeface="Times New Roman" panose="02020603050405020304" pitchFamily="18" charset="0"/>
-                <a:ea typeface="黑体" panose="02010609060101010101" pitchFamily="49" charset="-122"/>
-              </a:endParaRPr>
-            </a:p>
-            <a:p>
-              <a:pPr>
-                <a:lnSpc>
-                  <a:spcPct val="150000"/>
-                </a:lnSpc>
-                <a:spcAft>
-                  <a:spcPts val="600"/>
-                </a:spcAft>
-              </a:pPr>
-              <a:r>
-                <a:rPr lang="en-US" altLang="zh-CN" sz="1200" dirty="0">
-                  <a:latin typeface="Times New Roman" panose="02020603050405020304" pitchFamily="18" charset="0"/>
-                  <a:ea typeface="黑体" panose="02010609060101010101" pitchFamily="49" charset="-122"/>
-                </a:rPr>
-                <a:t>[0037]  </a:t>
-              </a:r>
-              <a:r>
-                <a:rPr lang="en-US" altLang="zh-CN" sz="1200" dirty="0" err="1">
-                  <a:latin typeface="Times New Roman" panose="02020603050405020304" pitchFamily="18" charset="0"/>
-                  <a:ea typeface="黑体" panose="02010609060101010101" pitchFamily="49" charset="-122"/>
-                </a:rPr>
-                <a:t>xxxxxxxxxxxxxxxxxxxxxxxxxxxxxxxxxxxxxxxxxx</a:t>
-              </a:r>
-              <a:endParaRPr lang="en-US" altLang="zh-CN" sz="1200" b="1" dirty="0">
-                <a:latin typeface="Times New Roman" panose="02020603050405020304" pitchFamily="18" charset="0"/>
-                <a:ea typeface="黑体" panose="02010609060101010101" pitchFamily="49" charset="-122"/>
-              </a:endParaRPr>
-            </a:p>
-            <a:p>
-              <a:pPr>
-                <a:lnSpc>
-                  <a:spcPct val="150000"/>
-                </a:lnSpc>
-                <a:spcAft>
-                  <a:spcPts val="600"/>
-                </a:spcAft>
-              </a:pPr>
-              <a:r>
-                <a:rPr lang="zh-CN" altLang="en-US" sz="1200" b="1" dirty="0">
-                  <a:latin typeface="Times New Roman" panose="02020603050405020304" pitchFamily="18" charset="0"/>
-                  <a:ea typeface="黑体" panose="02010609060101010101" pitchFamily="49" charset="-122"/>
-                </a:rPr>
-                <a:t>具体的实施方式</a:t>
-              </a:r>
-              <a:endParaRPr lang="en-US" altLang="zh-CN" sz="1200" b="1" dirty="0">
-                <a:latin typeface="Times New Roman" panose="02020603050405020304" pitchFamily="18" charset="0"/>
-                <a:ea typeface="黑体" panose="02010609060101010101" pitchFamily="49" charset="-122"/>
-              </a:endParaRPr>
-            </a:p>
-            <a:p>
-              <a:pPr>
-                <a:lnSpc>
-                  <a:spcPct val="150000"/>
-                </a:lnSpc>
-                <a:spcAft>
-                  <a:spcPts val="600"/>
-                </a:spcAft>
-              </a:pPr>
-              <a:r>
-                <a:rPr lang="en-US" altLang="zh-CN" sz="1200" dirty="0">
-                  <a:latin typeface="Times New Roman" panose="02020603050405020304" pitchFamily="18" charset="0"/>
-                  <a:ea typeface="黑体" panose="02010609060101010101" pitchFamily="49" charset="-122"/>
-                </a:rPr>
-                <a:t>[0040]  </a:t>
-              </a:r>
-              <a:r>
-                <a:rPr lang="en-US" altLang="zh-CN" sz="1200" dirty="0" err="1">
-                  <a:latin typeface="Times New Roman" panose="02020603050405020304" pitchFamily="18" charset="0"/>
-                  <a:ea typeface="黑体" panose="02010609060101010101" pitchFamily="49" charset="-122"/>
-                </a:rPr>
-                <a:t>xxxxxxxxxxxxxxxxxxxxxxxxxxxxxxxxxxxxxxxxxx</a:t>
-              </a:r>
-              <a:endParaRPr lang="en-US" altLang="zh-CN" sz="1200" dirty="0">
-                <a:latin typeface="Times New Roman" panose="02020603050405020304" pitchFamily="18" charset="0"/>
-                <a:ea typeface="黑体" panose="02010609060101010101" pitchFamily="49" charset="-122"/>
-              </a:endParaRPr>
-            </a:p>
-            <a:p>
-              <a:pPr>
-                <a:lnSpc>
-                  <a:spcPct val="150000"/>
-                </a:lnSpc>
-                <a:spcAft>
-                  <a:spcPts val="600"/>
-                </a:spcAft>
-              </a:pPr>
-              <a:r>
-                <a:rPr lang="en-US" altLang="zh-CN" sz="1200" dirty="0">
-                  <a:latin typeface="Times New Roman" panose="02020603050405020304" pitchFamily="18" charset="0"/>
-                  <a:ea typeface="黑体" panose="02010609060101010101" pitchFamily="49" charset="-122"/>
-                </a:rPr>
-                <a:t>[0041]  </a:t>
-              </a:r>
-              <a:r>
-                <a:rPr lang="en-US" altLang="zh-CN" sz="1200" dirty="0" err="1">
-                  <a:latin typeface="Times New Roman" panose="02020603050405020304" pitchFamily="18" charset="0"/>
-                  <a:ea typeface="黑体" panose="02010609060101010101" pitchFamily="49" charset="-122"/>
-                </a:rPr>
-                <a:t>xxxxxxxxxxxxxxxxxxxxxxxxxxxxxxxxxxxxxxxxxx</a:t>
-              </a:r>
-              <a:endParaRPr lang="en-US" altLang="zh-CN" sz="1200" b="1" dirty="0">
-                <a:latin typeface="Times New Roman" panose="02020603050405020304" pitchFamily="18" charset="0"/>
-                <a:ea typeface="黑体" panose="02010609060101010101" pitchFamily="49" charset="-122"/>
-              </a:endParaRPr>
-            </a:p>
-          </p:txBody>
-        </p:sp>
-      </p:grpSp>
       <p:graphicFrame>
         <p:nvGraphicFramePr>
           <p:cNvPr id="9" name="表格 8">
@@ -19432,6 +19607,525 @@
           </a:graphicData>
         </a:graphic>
       </p:graphicFrame>
+      <p:sp>
+        <p:nvSpPr>
+          <p:cNvPr id="7" name="对话气泡: 圆角矩形 6">
+            <a:extLst>
+              <a:ext uri="{FF2B5EF4-FFF2-40B4-BE49-F238E27FC236}">
+                <a16:creationId xmlns:a16="http://schemas.microsoft.com/office/drawing/2014/main" id="{1E00CD7F-1DA8-48B8-823B-287B505F594A}"/>
+              </a:ext>
+            </a:extLst>
+          </p:cNvPr>
+          <p:cNvSpPr/>
+          <p:nvPr/>
+        </p:nvSpPr>
+        <p:spPr>
+          <a:xfrm>
+            <a:off x="6288108" y="1980046"/>
+            <a:ext cx="5096350" cy="1724297"/>
+          </a:xfrm>
+          <a:prstGeom prst="wedgeRoundRectCallout">
+            <a:avLst>
+              <a:gd name="adj1" fmla="val -22099"/>
+              <a:gd name="adj2" fmla="val -79546"/>
+              <a:gd name="adj3" fmla="val 16667"/>
+            </a:avLst>
+          </a:prstGeom>
+          <a:solidFill>
+            <a:srgbClr val="2B4E72"/>
+          </a:solidFill>
+        </p:spPr>
+        <p:style>
+          <a:lnRef idx="2">
+            <a:schemeClr val="accent1">
+              <a:shade val="50000"/>
+            </a:schemeClr>
+          </a:lnRef>
+          <a:fillRef idx="1">
+            <a:schemeClr val="accent1"/>
+          </a:fillRef>
+          <a:effectRef idx="0">
+            <a:schemeClr val="accent1"/>
+          </a:effectRef>
+          <a:fontRef idx="minor">
+            <a:schemeClr val="lt1"/>
+          </a:fontRef>
+        </p:style>
+        <p:txBody>
+          <a:bodyPr rtlCol="0" anchor="ctr"/>
+          <a:lstStyle/>
+          <a:p>
+            <a:pPr indent="360000">
+              <a:lnSpc>
+                <a:spcPct val="140000"/>
+              </a:lnSpc>
+            </a:pPr>
+            <a:endParaRPr lang="en-US" altLang="zh-CN" sz="1200" dirty="0">
+              <a:solidFill>
+                <a:schemeClr val="bg1"/>
+              </a:solidFill>
+            </a:endParaRPr>
+          </a:p>
+          <a:p>
+            <a:pPr indent="360000">
+              <a:lnSpc>
+                <a:spcPct val="140000"/>
+              </a:lnSpc>
+            </a:pPr>
+            <a:r>
+              <a:rPr lang="zh-CN" altLang="en-US" sz="1200" dirty="0">
+                <a:solidFill>
+                  <a:schemeClr val="bg1"/>
+                </a:solidFill>
+              </a:rPr>
+              <a:t>名称应当与请求书中名称一致，简洁、明确表达发明或实用新型的主题。名称应表明或反映发明是产品还是方法，例如“一种基于聚类算法的测井曲线识别方法”。名称还应尽量反映出发明对象的用途或应用领域。</a:t>
+            </a:r>
+          </a:p>
+          <a:p>
+            <a:pPr indent="360000">
+              <a:lnSpc>
+                <a:spcPct val="140000"/>
+              </a:lnSpc>
+            </a:pPr>
+            <a:r>
+              <a:rPr lang="zh-CN" altLang="en-US" sz="1200" dirty="0">
+                <a:solidFill>
+                  <a:schemeClr val="bg1"/>
+                </a:solidFill>
+              </a:rPr>
+              <a:t>不能使用与发明创造技术无关的词来命名，字数控制在</a:t>
+            </a:r>
+            <a:r>
+              <a:rPr lang="en-US" altLang="zh-CN" sz="1200" dirty="0">
+                <a:solidFill>
+                  <a:schemeClr val="bg1"/>
+                </a:solidFill>
+              </a:rPr>
+              <a:t>25</a:t>
+            </a:r>
+            <a:r>
+              <a:rPr lang="zh-CN" altLang="en-US" sz="1200" dirty="0">
+                <a:solidFill>
+                  <a:schemeClr val="bg1"/>
+                </a:solidFill>
+              </a:rPr>
+              <a:t>个以内。名称应写在说明书首页的顶部居中位置，下空一行写说明书正文。</a:t>
+            </a:r>
+          </a:p>
+          <a:p>
+            <a:pPr algn="ctr">
+              <a:lnSpc>
+                <a:spcPct val="140000"/>
+              </a:lnSpc>
+            </a:pPr>
+            <a:endParaRPr lang="zh-CN" altLang="en-US" dirty="0">
+              <a:solidFill>
+                <a:schemeClr val="bg1"/>
+              </a:solidFill>
+            </a:endParaRPr>
+          </a:p>
+        </p:txBody>
+      </p:sp>
+      <p:sp>
+        <p:nvSpPr>
+          <p:cNvPr id="15" name="对话气泡: 圆角矩形 14">
+            <a:extLst>
+              <a:ext uri="{FF2B5EF4-FFF2-40B4-BE49-F238E27FC236}">
+                <a16:creationId xmlns:a16="http://schemas.microsoft.com/office/drawing/2014/main" id="{CF6470C6-7C52-428B-A7F4-7DA4D0555856}"/>
+              </a:ext>
+            </a:extLst>
+          </p:cNvPr>
+          <p:cNvSpPr/>
+          <p:nvPr/>
+        </p:nvSpPr>
+        <p:spPr>
+          <a:xfrm>
+            <a:off x="5455507" y="2294575"/>
+            <a:ext cx="4642893" cy="1480257"/>
+          </a:xfrm>
+          <a:prstGeom prst="wedgeRoundRectCallout">
+            <a:avLst>
+              <a:gd name="adj1" fmla="val -22099"/>
+              <a:gd name="adj2" fmla="val -79546"/>
+              <a:gd name="adj3" fmla="val 16667"/>
+            </a:avLst>
+          </a:prstGeom>
+          <a:solidFill>
+            <a:srgbClr val="2B4E72"/>
+          </a:solidFill>
+        </p:spPr>
+        <p:style>
+          <a:lnRef idx="2">
+            <a:schemeClr val="accent1">
+              <a:shade val="50000"/>
+            </a:schemeClr>
+          </a:lnRef>
+          <a:fillRef idx="1">
+            <a:schemeClr val="accent1"/>
+          </a:fillRef>
+          <a:effectRef idx="0">
+            <a:schemeClr val="accent1"/>
+          </a:effectRef>
+          <a:fontRef idx="minor">
+            <a:schemeClr val="lt1"/>
+          </a:fontRef>
+        </p:style>
+        <p:txBody>
+          <a:bodyPr rtlCol="0" anchor="ctr"/>
+          <a:lstStyle/>
+          <a:p>
+            <a:pPr indent="360000">
+              <a:lnSpc>
+                <a:spcPct val="140000"/>
+              </a:lnSpc>
+            </a:pPr>
+            <a:r>
+              <a:rPr lang="zh-CN" altLang="en-US" sz="1200" dirty="0">
+                <a:solidFill>
+                  <a:schemeClr val="bg1"/>
+                </a:solidFill>
+              </a:rPr>
+              <a:t>所属技术领域是正文的第一自然段落，一般用一句话说明该发明或实用新型所属的技术领域，或所应用的技术领域。值得注意的是，这里所指技术领域是特定的技术领域，如“半导体制造碳氢化合物而不是“物理化学”等广义的技术领域。所属技术领域的书写可采用“本发明涉及种</a:t>
+            </a:r>
+            <a:r>
+              <a:rPr lang="en-US" altLang="zh-CN" sz="1200" dirty="0">
+                <a:solidFill>
+                  <a:schemeClr val="bg1"/>
+                </a:solidFill>
+              </a:rPr>
+              <a:t>…·”</a:t>
+            </a:r>
+            <a:r>
+              <a:rPr lang="zh-CN" altLang="en-US" sz="1200" dirty="0">
+                <a:solidFill>
+                  <a:schemeClr val="bg1"/>
+                </a:solidFill>
+              </a:rPr>
+              <a:t>的形式。</a:t>
+            </a:r>
+          </a:p>
+        </p:txBody>
+      </p:sp>
+      <p:sp>
+        <p:nvSpPr>
+          <p:cNvPr id="16" name="对话气泡: 圆角矩形 15">
+            <a:extLst>
+              <a:ext uri="{FF2B5EF4-FFF2-40B4-BE49-F238E27FC236}">
+                <a16:creationId xmlns:a16="http://schemas.microsoft.com/office/drawing/2014/main" id="{19E8EA1D-F737-41C4-97F3-65DCEB3872C3}"/>
+              </a:ext>
+            </a:extLst>
+          </p:cNvPr>
+          <p:cNvSpPr/>
+          <p:nvPr/>
+        </p:nvSpPr>
+        <p:spPr>
+          <a:xfrm>
+            <a:off x="5363945" y="2806527"/>
+            <a:ext cx="4642893" cy="1888965"/>
+          </a:xfrm>
+          <a:prstGeom prst="wedgeRoundRectCallout">
+            <a:avLst>
+              <a:gd name="adj1" fmla="val -21536"/>
+              <a:gd name="adj2" fmla="val -64117"/>
+              <a:gd name="adj3" fmla="val 16667"/>
+            </a:avLst>
+          </a:prstGeom>
+          <a:solidFill>
+            <a:srgbClr val="2B4E72"/>
+          </a:solidFill>
+        </p:spPr>
+        <p:style>
+          <a:lnRef idx="2">
+            <a:schemeClr val="accent1">
+              <a:shade val="50000"/>
+            </a:schemeClr>
+          </a:lnRef>
+          <a:fillRef idx="1">
+            <a:schemeClr val="accent1"/>
+          </a:fillRef>
+          <a:effectRef idx="0">
+            <a:schemeClr val="accent1"/>
+          </a:effectRef>
+          <a:fontRef idx="minor">
+            <a:schemeClr val="lt1"/>
+          </a:fontRef>
+        </p:style>
+        <p:txBody>
+          <a:bodyPr rtlCol="0" anchor="ctr"/>
+          <a:lstStyle/>
+          <a:p>
+            <a:pPr indent="360000">
+              <a:lnSpc>
+                <a:spcPct val="140000"/>
+              </a:lnSpc>
+            </a:pPr>
+            <a:r>
+              <a:rPr lang="zh-CN" altLang="en-US" sz="1200">
+                <a:solidFill>
+                  <a:schemeClr val="bg1"/>
+                </a:solidFill>
+              </a:rPr>
+              <a:t>申请人</a:t>
+            </a:r>
+            <a:r>
+              <a:rPr lang="zh-CN" altLang="en-US" sz="1200" dirty="0">
+                <a:solidFill>
+                  <a:schemeClr val="bg1"/>
+                </a:solidFill>
+              </a:rPr>
+              <a:t>在这一部分应写明对发明或实用新型的理解、检索、审查有参考作用的现有技术并且引证反映这些背景技术的文件。这些现有技术中应包括相近和最接近的已有技术方案，即与申请专利的技术方案的用途相同，技术实质和使用效果接近的己有技术方案。这里特别应当突出最相近的技术方案，详细分析它的技术特征客观指出存在的问题或不足，可能时说明这些问题或不足的原因。在这一部分也可写本技术的历史背景和现状。</a:t>
+            </a:r>
+            <a:endParaRPr lang="zh-CN" altLang="en-US" dirty="0">
+              <a:solidFill>
+                <a:schemeClr val="bg1"/>
+              </a:solidFill>
+            </a:endParaRPr>
+          </a:p>
+        </p:txBody>
+      </p:sp>
+      <p:sp>
+        <p:nvSpPr>
+          <p:cNvPr id="17" name="对话气泡: 圆角矩形 16">
+            <a:extLst>
+              <a:ext uri="{FF2B5EF4-FFF2-40B4-BE49-F238E27FC236}">
+                <a16:creationId xmlns:a16="http://schemas.microsoft.com/office/drawing/2014/main" id="{E3649F2C-7036-4B0A-AF14-4DE879652DC3}"/>
+              </a:ext>
+            </a:extLst>
+          </p:cNvPr>
+          <p:cNvSpPr/>
+          <p:nvPr/>
+        </p:nvSpPr>
+        <p:spPr>
+          <a:xfrm>
+            <a:off x="5390105" y="3890628"/>
+            <a:ext cx="4642893" cy="1360224"/>
+          </a:xfrm>
+          <a:prstGeom prst="wedgeRoundRectCallout">
+            <a:avLst>
+              <a:gd name="adj1" fmla="val -21922"/>
+              <a:gd name="adj2" fmla="val -74701"/>
+              <a:gd name="adj3" fmla="val 16667"/>
+            </a:avLst>
+          </a:prstGeom>
+          <a:solidFill>
+            <a:srgbClr val="2B4E72"/>
+          </a:solidFill>
+        </p:spPr>
+        <p:style>
+          <a:lnRef idx="2">
+            <a:schemeClr val="accent1">
+              <a:shade val="50000"/>
+            </a:schemeClr>
+          </a:lnRef>
+          <a:fillRef idx="1">
+            <a:schemeClr val="accent1"/>
+          </a:fillRef>
+          <a:effectRef idx="0">
+            <a:schemeClr val="accent1"/>
+          </a:effectRef>
+          <a:fontRef idx="minor">
+            <a:schemeClr val="lt1"/>
+          </a:fontRef>
+        </p:style>
+        <p:txBody>
+          <a:bodyPr rtlCol="0" anchor="ctr"/>
+          <a:lstStyle/>
+          <a:p>
+            <a:pPr marL="228600" indent="-228600">
+              <a:lnSpc>
+                <a:spcPct val="140000"/>
+              </a:lnSpc>
+              <a:buFont typeface="+mj-lt"/>
+              <a:buAutoNum type="arabicPeriod"/>
+            </a:pPr>
+            <a:r>
+              <a:rPr lang="zh-CN" altLang="en-US" sz="1200" dirty="0">
+                <a:solidFill>
+                  <a:schemeClr val="bg1"/>
+                </a:solidFill>
+              </a:rPr>
+              <a:t>要针对现有技术的缺陷，说明该发明要解决的技术课题</a:t>
+            </a:r>
+            <a:endParaRPr lang="en-US" altLang="zh-CN" sz="1200" dirty="0">
+              <a:solidFill>
+                <a:schemeClr val="bg1"/>
+              </a:solidFill>
+            </a:endParaRPr>
+          </a:p>
+          <a:p>
+            <a:pPr marL="228600" indent="-228600">
+              <a:lnSpc>
+                <a:spcPct val="140000"/>
+              </a:lnSpc>
+              <a:buFont typeface="+mj-lt"/>
+              <a:buAutoNum type="arabicPeriod"/>
+            </a:pPr>
+            <a:r>
+              <a:rPr lang="zh-CN" altLang="en-US" sz="1200" dirty="0">
+                <a:solidFill>
+                  <a:schemeClr val="bg1"/>
+                </a:solidFill>
+              </a:rPr>
+              <a:t>清楚、简明的写出发明或实用新型的技术方案</a:t>
+            </a:r>
+            <a:endParaRPr lang="en-US" altLang="zh-CN" sz="1200" dirty="0">
+              <a:solidFill>
+                <a:schemeClr val="bg1"/>
+              </a:solidFill>
+            </a:endParaRPr>
+          </a:p>
+          <a:p>
+            <a:pPr marL="228600" indent="-228600">
+              <a:lnSpc>
+                <a:spcPct val="140000"/>
+              </a:lnSpc>
+              <a:buFont typeface="+mj-lt"/>
+              <a:buAutoNum type="arabicPeriod"/>
+            </a:pPr>
+            <a:r>
+              <a:rPr lang="zh-CN" altLang="en-US" sz="1200" dirty="0">
+                <a:solidFill>
+                  <a:schemeClr val="bg1"/>
+                </a:solidFill>
+              </a:rPr>
+              <a:t>清楚而有根据地说明发明与现有技术相比，所具有的优点和积极效果</a:t>
+            </a:r>
+          </a:p>
+        </p:txBody>
+      </p:sp>
+      <p:sp>
+        <p:nvSpPr>
+          <p:cNvPr id="18" name="对话气泡: 圆角矩形 17">
+            <a:extLst>
+              <a:ext uri="{FF2B5EF4-FFF2-40B4-BE49-F238E27FC236}">
+                <a16:creationId xmlns:a16="http://schemas.microsoft.com/office/drawing/2014/main" id="{893E1E49-6EA7-426B-A00F-159C05D1661D}"/>
+              </a:ext>
+            </a:extLst>
+          </p:cNvPr>
+          <p:cNvSpPr/>
+          <p:nvPr/>
+        </p:nvSpPr>
+        <p:spPr>
+          <a:xfrm>
+            <a:off x="5416266" y="5274996"/>
+            <a:ext cx="4642893" cy="806374"/>
+          </a:xfrm>
+          <a:prstGeom prst="wedgeRoundRectCallout">
+            <a:avLst>
+              <a:gd name="adj1" fmla="val -22099"/>
+              <a:gd name="adj2" fmla="val -79546"/>
+              <a:gd name="adj3" fmla="val 16667"/>
+            </a:avLst>
+          </a:prstGeom>
+          <a:solidFill>
+            <a:srgbClr val="2B4E72"/>
+          </a:solidFill>
+        </p:spPr>
+        <p:style>
+          <a:lnRef idx="2">
+            <a:schemeClr val="accent1">
+              <a:shade val="50000"/>
+            </a:schemeClr>
+          </a:lnRef>
+          <a:fillRef idx="1">
+            <a:schemeClr val="accent1"/>
+          </a:fillRef>
+          <a:effectRef idx="0">
+            <a:schemeClr val="accent1"/>
+          </a:effectRef>
+          <a:fontRef idx="minor">
+            <a:schemeClr val="lt1"/>
+          </a:fontRef>
+        </p:style>
+        <p:txBody>
+          <a:bodyPr rtlCol="0" anchor="ctr"/>
+          <a:lstStyle/>
+          <a:p>
+            <a:pPr indent="360000">
+              <a:lnSpc>
+                <a:spcPct val="140000"/>
+              </a:lnSpc>
+            </a:pPr>
+            <a:r>
+              <a:rPr lang="zh-CN" altLang="en-US" sz="1200" dirty="0">
+                <a:solidFill>
+                  <a:schemeClr val="bg1"/>
+                </a:solidFill>
+              </a:rPr>
+              <a:t>如果必须用图来帮助说明发明创造技术内容时，应有附图并对每一幅图作介绍性说明。</a:t>
+            </a:r>
+          </a:p>
+        </p:txBody>
+      </p:sp>
+      <p:sp>
+        <p:nvSpPr>
+          <p:cNvPr id="19" name="对话气泡: 圆角矩形 18">
+            <a:extLst>
+              <a:ext uri="{FF2B5EF4-FFF2-40B4-BE49-F238E27FC236}">
+                <a16:creationId xmlns:a16="http://schemas.microsoft.com/office/drawing/2014/main" id="{18F6EE16-52D1-49C8-A121-B7DB097CD651}"/>
+              </a:ext>
+            </a:extLst>
+          </p:cNvPr>
+          <p:cNvSpPr/>
+          <p:nvPr/>
+        </p:nvSpPr>
+        <p:spPr>
+          <a:xfrm>
+            <a:off x="5488582" y="4970218"/>
+            <a:ext cx="4642893" cy="755427"/>
+          </a:xfrm>
+          <a:prstGeom prst="wedgeRoundRectCallout">
+            <a:avLst>
+              <a:gd name="adj1" fmla="val -19989"/>
+              <a:gd name="adj2" fmla="val 58332"/>
+              <a:gd name="adj3" fmla="val 16667"/>
+            </a:avLst>
+          </a:prstGeom>
+          <a:solidFill>
+            <a:srgbClr val="2B4E72"/>
+          </a:solidFill>
+        </p:spPr>
+        <p:style>
+          <a:lnRef idx="2">
+            <a:schemeClr val="accent1">
+              <a:shade val="50000"/>
+            </a:schemeClr>
+          </a:lnRef>
+          <a:fillRef idx="1">
+            <a:schemeClr val="accent1"/>
+          </a:fillRef>
+          <a:effectRef idx="0">
+            <a:schemeClr val="accent1"/>
+          </a:effectRef>
+          <a:fontRef idx="minor">
+            <a:schemeClr val="lt1"/>
+          </a:fontRef>
+        </p:style>
+        <p:txBody>
+          <a:bodyPr rtlCol="0" anchor="ctr"/>
+          <a:lstStyle/>
+          <a:p>
+            <a:pPr indent="360000">
+              <a:lnSpc>
+                <a:spcPct val="140000"/>
+              </a:lnSpc>
+            </a:pPr>
+            <a:r>
+              <a:rPr lang="zh-CN" altLang="en-US" sz="1200" dirty="0">
+                <a:solidFill>
+                  <a:schemeClr val="bg1"/>
+                </a:solidFill>
+              </a:rPr>
+              <a:t>应详细描述申请人认为实施发明的最好方式，并将其作为一件典型实例，列出与发明要点相关的参数与条件。</a:t>
+            </a:r>
+            <a:endParaRPr lang="en-US" altLang="zh-CN" sz="1200" dirty="0">
+              <a:solidFill>
+                <a:schemeClr val="bg1"/>
+              </a:solidFill>
+            </a:endParaRPr>
+          </a:p>
+        </p:txBody>
+      </p:sp>
     </p:spTree>
     <p:custDataLst>
       <p:tags r:id="rId1"/>
@@ -19445,6 +20139,500 @@
   <p:clrMapOvr>
     <a:masterClrMapping/>
   </p:clrMapOvr>
+  <p:timing>
+    <p:tnLst>
+      <p:par>
+        <p:cTn id="1" dur="indefinite" restart="never" nodeType="tmRoot">
+          <p:childTnLst>
+            <p:seq concurrent="1" nextAc="seek">
+              <p:cTn id="2" dur="indefinite" nodeType="mainSeq">
+                <p:childTnLst>
+                  <p:par>
+                    <p:cTn id="3" fill="hold">
+                      <p:stCondLst>
+                        <p:cond delay="indefinite"/>
+                      </p:stCondLst>
+                      <p:childTnLst>
+                        <p:par>
+                          <p:cTn id="4" fill="hold">
+                            <p:stCondLst>
+                              <p:cond delay="0"/>
+                            </p:stCondLst>
+                            <p:childTnLst>
+                              <p:par>
+                                <p:cTn id="5" presetID="1" presetClass="entr" presetSubtype="0" fill="hold" grpId="0" nodeType="clickEffect">
+                                  <p:stCondLst>
+                                    <p:cond delay="0"/>
+                                  </p:stCondLst>
+                                  <p:childTnLst>
+                                    <p:set>
+                                      <p:cBhvr>
+                                        <p:cTn id="6" dur="1" fill="hold">
+                                          <p:stCondLst>
+                                            <p:cond delay="0"/>
+                                          </p:stCondLst>
+                                        </p:cTn>
+                                        <p:tgtEl>
+                                          <p:spTgt spid="7"/>
+                                        </p:tgtEl>
+                                        <p:attrNameLst>
+                                          <p:attrName>style.visibility</p:attrName>
+                                        </p:attrNameLst>
+                                      </p:cBhvr>
+                                      <p:to>
+                                        <p:strVal val="visible"/>
+                                      </p:to>
+                                    </p:set>
+                                  </p:childTnLst>
+                                </p:cTn>
+                              </p:par>
+                            </p:childTnLst>
+                          </p:cTn>
+                        </p:par>
+                      </p:childTnLst>
+                    </p:cTn>
+                  </p:par>
+                  <p:par>
+                    <p:cTn id="7" fill="hold">
+                      <p:stCondLst>
+                        <p:cond delay="indefinite"/>
+                      </p:stCondLst>
+                      <p:childTnLst>
+                        <p:par>
+                          <p:cTn id="8" fill="hold">
+                            <p:stCondLst>
+                              <p:cond delay="0"/>
+                            </p:stCondLst>
+                            <p:childTnLst>
+                              <p:par>
+                                <p:cTn id="9" presetID="1" presetClass="entr" presetSubtype="0" fill="hold" grpId="0" nodeType="clickEffect">
+                                  <p:stCondLst>
+                                    <p:cond delay="0"/>
+                                  </p:stCondLst>
+                                  <p:childTnLst>
+                                    <p:set>
+                                      <p:cBhvr>
+                                        <p:cTn id="10" dur="1" fill="hold">
+                                          <p:stCondLst>
+                                            <p:cond delay="0"/>
+                                          </p:stCondLst>
+                                        </p:cTn>
+                                        <p:tgtEl>
+                                          <p:spTgt spid="15"/>
+                                        </p:tgtEl>
+                                        <p:attrNameLst>
+                                          <p:attrName>style.visibility</p:attrName>
+                                        </p:attrNameLst>
+                                      </p:cBhvr>
+                                      <p:to>
+                                        <p:strVal val="visible"/>
+                                      </p:to>
+                                    </p:set>
+                                  </p:childTnLst>
+                                </p:cTn>
+                              </p:par>
+                              <p:par>
+                                <p:cTn id="11" presetID="1" presetClass="exit" presetSubtype="0" fill="hold" grpId="1" nodeType="withEffect">
+                                  <p:stCondLst>
+                                    <p:cond delay="0"/>
+                                  </p:stCondLst>
+                                  <p:childTnLst>
+                                    <p:set>
+                                      <p:cBhvr>
+                                        <p:cTn id="12" dur="1" fill="hold">
+                                          <p:stCondLst>
+                                            <p:cond delay="0"/>
+                                          </p:stCondLst>
+                                        </p:cTn>
+                                        <p:tgtEl>
+                                          <p:spTgt spid="7"/>
+                                        </p:tgtEl>
+                                        <p:attrNameLst>
+                                          <p:attrName>style.visibility</p:attrName>
+                                        </p:attrNameLst>
+                                      </p:cBhvr>
+                                      <p:to>
+                                        <p:strVal val="hidden"/>
+                                      </p:to>
+                                    </p:set>
+                                  </p:childTnLst>
+                                </p:cTn>
+                              </p:par>
+                            </p:childTnLst>
+                          </p:cTn>
+                        </p:par>
+                      </p:childTnLst>
+                    </p:cTn>
+                  </p:par>
+                  <p:par>
+                    <p:cTn id="13" fill="hold">
+                      <p:stCondLst>
+                        <p:cond delay="indefinite"/>
+                      </p:stCondLst>
+                      <p:childTnLst>
+                        <p:par>
+                          <p:cTn id="14" fill="hold">
+                            <p:stCondLst>
+                              <p:cond delay="0"/>
+                            </p:stCondLst>
+                            <p:childTnLst>
+                              <p:par>
+                                <p:cTn id="15" presetID="1" presetClass="entr" presetSubtype="0" fill="hold" grpId="0" nodeType="clickEffect">
+                                  <p:stCondLst>
+                                    <p:cond delay="0"/>
+                                  </p:stCondLst>
+                                  <p:childTnLst>
+                                    <p:set>
+                                      <p:cBhvr>
+                                        <p:cTn id="16" dur="1" fill="hold">
+                                          <p:stCondLst>
+                                            <p:cond delay="0"/>
+                                          </p:stCondLst>
+                                        </p:cTn>
+                                        <p:tgtEl>
+                                          <p:spTgt spid="16"/>
+                                        </p:tgtEl>
+                                        <p:attrNameLst>
+                                          <p:attrName>style.visibility</p:attrName>
+                                        </p:attrNameLst>
+                                      </p:cBhvr>
+                                      <p:to>
+                                        <p:strVal val="visible"/>
+                                      </p:to>
+                                    </p:set>
+                                  </p:childTnLst>
+                                </p:cTn>
+                              </p:par>
+                              <p:par>
+                                <p:cTn id="17" presetID="1" presetClass="exit" presetSubtype="0" fill="hold" grpId="1" nodeType="withEffect">
+                                  <p:stCondLst>
+                                    <p:cond delay="0"/>
+                                  </p:stCondLst>
+                                  <p:childTnLst>
+                                    <p:set>
+                                      <p:cBhvr>
+                                        <p:cTn id="18" dur="1" fill="hold">
+                                          <p:stCondLst>
+                                            <p:cond delay="0"/>
+                                          </p:stCondLst>
+                                        </p:cTn>
+                                        <p:tgtEl>
+                                          <p:spTgt spid="15"/>
+                                        </p:tgtEl>
+                                        <p:attrNameLst>
+                                          <p:attrName>style.visibility</p:attrName>
+                                        </p:attrNameLst>
+                                      </p:cBhvr>
+                                      <p:to>
+                                        <p:strVal val="hidden"/>
+                                      </p:to>
+                                    </p:set>
+                                  </p:childTnLst>
+                                </p:cTn>
+                              </p:par>
+                            </p:childTnLst>
+                          </p:cTn>
+                        </p:par>
+                      </p:childTnLst>
+                    </p:cTn>
+                  </p:par>
+                  <p:par>
+                    <p:cTn id="19" fill="hold">
+                      <p:stCondLst>
+                        <p:cond delay="indefinite"/>
+                      </p:stCondLst>
+                      <p:childTnLst>
+                        <p:par>
+                          <p:cTn id="20" fill="hold">
+                            <p:stCondLst>
+                              <p:cond delay="0"/>
+                            </p:stCondLst>
+                            <p:childTnLst>
+                              <p:par>
+                                <p:cTn id="21" presetID="1" presetClass="entr" presetSubtype="0" fill="hold" grpId="0" nodeType="clickEffect">
+                                  <p:stCondLst>
+                                    <p:cond delay="0"/>
+                                  </p:stCondLst>
+                                  <p:childTnLst>
+                                    <p:set>
+                                      <p:cBhvr>
+                                        <p:cTn id="22" dur="1" fill="hold">
+                                          <p:stCondLst>
+                                            <p:cond delay="0"/>
+                                          </p:stCondLst>
+                                        </p:cTn>
+                                        <p:tgtEl>
+                                          <p:spTgt spid="17"/>
+                                        </p:tgtEl>
+                                        <p:attrNameLst>
+                                          <p:attrName>style.visibility</p:attrName>
+                                        </p:attrNameLst>
+                                      </p:cBhvr>
+                                      <p:to>
+                                        <p:strVal val="visible"/>
+                                      </p:to>
+                                    </p:set>
+                                  </p:childTnLst>
+                                </p:cTn>
+                              </p:par>
+                              <p:par>
+                                <p:cTn id="23" presetID="1" presetClass="exit" presetSubtype="0" fill="hold" grpId="1" nodeType="withEffect">
+                                  <p:stCondLst>
+                                    <p:cond delay="0"/>
+                                  </p:stCondLst>
+                                  <p:childTnLst>
+                                    <p:set>
+                                      <p:cBhvr>
+                                        <p:cTn id="24" dur="1" fill="hold">
+                                          <p:stCondLst>
+                                            <p:cond delay="0"/>
+                                          </p:stCondLst>
+                                        </p:cTn>
+                                        <p:tgtEl>
+                                          <p:spTgt spid="16"/>
+                                        </p:tgtEl>
+                                        <p:attrNameLst>
+                                          <p:attrName>style.visibility</p:attrName>
+                                        </p:attrNameLst>
+                                      </p:cBhvr>
+                                      <p:to>
+                                        <p:strVal val="hidden"/>
+                                      </p:to>
+                                    </p:set>
+                                  </p:childTnLst>
+                                </p:cTn>
+                              </p:par>
+                            </p:childTnLst>
+                          </p:cTn>
+                        </p:par>
+                      </p:childTnLst>
+                    </p:cTn>
+                  </p:par>
+                  <p:par>
+                    <p:cTn id="25" fill="hold">
+                      <p:stCondLst>
+                        <p:cond delay="indefinite"/>
+                      </p:stCondLst>
+                      <p:childTnLst>
+                        <p:par>
+                          <p:cTn id="26" fill="hold">
+                            <p:stCondLst>
+                              <p:cond delay="0"/>
+                            </p:stCondLst>
+                            <p:childTnLst>
+                              <p:par>
+                                <p:cTn id="27" presetID="1" presetClass="entr" presetSubtype="0" fill="hold" grpId="0" nodeType="clickEffect">
+                                  <p:stCondLst>
+                                    <p:cond delay="0"/>
+                                  </p:stCondLst>
+                                  <p:childTnLst>
+                                    <p:set>
+                                      <p:cBhvr>
+                                        <p:cTn id="28" dur="1" fill="hold">
+                                          <p:stCondLst>
+                                            <p:cond delay="0"/>
+                                          </p:stCondLst>
+                                        </p:cTn>
+                                        <p:tgtEl>
+                                          <p:spTgt spid="18"/>
+                                        </p:tgtEl>
+                                        <p:attrNameLst>
+                                          <p:attrName>style.visibility</p:attrName>
+                                        </p:attrNameLst>
+                                      </p:cBhvr>
+                                      <p:to>
+                                        <p:strVal val="visible"/>
+                                      </p:to>
+                                    </p:set>
+                                  </p:childTnLst>
+                                </p:cTn>
+                              </p:par>
+                              <p:par>
+                                <p:cTn id="29" presetID="1" presetClass="exit" presetSubtype="0" fill="hold" grpId="1" nodeType="withEffect">
+                                  <p:stCondLst>
+                                    <p:cond delay="0"/>
+                                  </p:stCondLst>
+                                  <p:childTnLst>
+                                    <p:set>
+                                      <p:cBhvr>
+                                        <p:cTn id="30" dur="1" fill="hold">
+                                          <p:stCondLst>
+                                            <p:cond delay="0"/>
+                                          </p:stCondLst>
+                                        </p:cTn>
+                                        <p:tgtEl>
+                                          <p:spTgt spid="17"/>
+                                        </p:tgtEl>
+                                        <p:attrNameLst>
+                                          <p:attrName>style.visibility</p:attrName>
+                                        </p:attrNameLst>
+                                      </p:cBhvr>
+                                      <p:to>
+                                        <p:strVal val="hidden"/>
+                                      </p:to>
+                                    </p:set>
+                                  </p:childTnLst>
+                                </p:cTn>
+                              </p:par>
+                            </p:childTnLst>
+                          </p:cTn>
+                        </p:par>
+                      </p:childTnLst>
+                    </p:cTn>
+                  </p:par>
+                  <p:par>
+                    <p:cTn id="31" fill="hold">
+                      <p:stCondLst>
+                        <p:cond delay="indefinite"/>
+                      </p:stCondLst>
+                      <p:childTnLst>
+                        <p:par>
+                          <p:cTn id="32" fill="hold">
+                            <p:stCondLst>
+                              <p:cond delay="0"/>
+                            </p:stCondLst>
+                            <p:childTnLst>
+                              <p:par>
+                                <p:cTn id="33" presetID="1" presetClass="entr" presetSubtype="0" fill="hold" grpId="0" nodeType="clickEffect">
+                                  <p:stCondLst>
+                                    <p:cond delay="0"/>
+                                  </p:stCondLst>
+                                  <p:childTnLst>
+                                    <p:set>
+                                      <p:cBhvr>
+                                        <p:cTn id="34" dur="1" fill="hold">
+                                          <p:stCondLst>
+                                            <p:cond delay="0"/>
+                                          </p:stCondLst>
+                                        </p:cTn>
+                                        <p:tgtEl>
+                                          <p:spTgt spid="19"/>
+                                        </p:tgtEl>
+                                        <p:attrNameLst>
+                                          <p:attrName>style.visibility</p:attrName>
+                                        </p:attrNameLst>
+                                      </p:cBhvr>
+                                      <p:to>
+                                        <p:strVal val="visible"/>
+                                      </p:to>
+                                    </p:set>
+                                  </p:childTnLst>
+                                </p:cTn>
+                              </p:par>
+                              <p:par>
+                                <p:cTn id="35" presetID="1" presetClass="exit" presetSubtype="0" fill="hold" grpId="1" nodeType="withEffect">
+                                  <p:stCondLst>
+                                    <p:cond delay="0"/>
+                                  </p:stCondLst>
+                                  <p:childTnLst>
+                                    <p:set>
+                                      <p:cBhvr>
+                                        <p:cTn id="36" dur="1" fill="hold">
+                                          <p:stCondLst>
+                                            <p:cond delay="0"/>
+                                          </p:stCondLst>
+                                        </p:cTn>
+                                        <p:tgtEl>
+                                          <p:spTgt spid="18"/>
+                                        </p:tgtEl>
+                                        <p:attrNameLst>
+                                          <p:attrName>style.visibility</p:attrName>
+                                        </p:attrNameLst>
+                                      </p:cBhvr>
+                                      <p:to>
+                                        <p:strVal val="hidden"/>
+                                      </p:to>
+                                    </p:set>
+                                  </p:childTnLst>
+                                </p:cTn>
+                              </p:par>
+                            </p:childTnLst>
+                          </p:cTn>
+                        </p:par>
+                      </p:childTnLst>
+                    </p:cTn>
+                  </p:par>
+                  <p:par>
+                    <p:cTn id="37" fill="hold">
+                      <p:stCondLst>
+                        <p:cond delay="indefinite"/>
+                      </p:stCondLst>
+                      <p:childTnLst>
+                        <p:par>
+                          <p:cTn id="38" fill="hold">
+                            <p:stCondLst>
+                              <p:cond delay="0"/>
+                            </p:stCondLst>
+                            <p:childTnLst>
+                              <p:par>
+                                <p:cTn id="39" presetID="1" presetClass="exit" presetSubtype="0" fill="hold" grpId="1" nodeType="clickEffect">
+                                  <p:stCondLst>
+                                    <p:cond delay="0"/>
+                                  </p:stCondLst>
+                                  <p:childTnLst>
+                                    <p:set>
+                                      <p:cBhvr>
+                                        <p:cTn id="40" dur="1" fill="hold">
+                                          <p:stCondLst>
+                                            <p:cond delay="0"/>
+                                          </p:stCondLst>
+                                        </p:cTn>
+                                        <p:tgtEl>
+                                          <p:spTgt spid="19"/>
+                                        </p:tgtEl>
+                                        <p:attrNameLst>
+                                          <p:attrName>style.visibility</p:attrName>
+                                        </p:attrNameLst>
+                                      </p:cBhvr>
+                                      <p:to>
+                                        <p:strVal val="hidden"/>
+                                      </p:to>
+                                    </p:set>
+                                  </p:childTnLst>
+                                </p:cTn>
+                              </p:par>
+                            </p:childTnLst>
+                          </p:cTn>
+                        </p:par>
+                      </p:childTnLst>
+                    </p:cTn>
+                  </p:par>
+                </p:childTnLst>
+              </p:cTn>
+              <p:prevCondLst>
+                <p:cond evt="onPrev" delay="0">
+                  <p:tgtEl>
+                    <p:sldTgt/>
+                  </p:tgtEl>
+                </p:cond>
+              </p:prevCondLst>
+              <p:nextCondLst>
+                <p:cond evt="onNext" delay="0">
+                  <p:tgtEl>
+                    <p:sldTgt/>
+                  </p:tgtEl>
+                </p:cond>
+              </p:nextCondLst>
+            </p:seq>
+          </p:childTnLst>
+        </p:cTn>
+      </p:par>
+    </p:tnLst>
+    <p:bldLst>
+      <p:bldP spid="7" grpId="0" animBg="1"/>
+      <p:bldP spid="7" grpId="1" animBg="1"/>
+      <p:bldP spid="15" grpId="0" animBg="1"/>
+      <p:bldP spid="15" grpId="1" animBg="1"/>
+      <p:bldP spid="16" grpId="0" animBg="1"/>
+      <p:bldP spid="16" grpId="1" animBg="1"/>
+      <p:bldP spid="17" grpId="0" animBg="1"/>
+      <p:bldP spid="17" grpId="1" animBg="1"/>
+      <p:bldP spid="18" grpId="0" animBg="1"/>
+      <p:bldP spid="18" grpId="1" animBg="1"/>
+      <p:bldP spid="19" grpId="0" animBg="1"/>
+      <p:bldP spid="19" grpId="1" animBg="1"/>
+    </p:bldLst>
+  </p:timing>
 </p:sld>
 </file>
 
@@ -22713,7 +23901,29 @@
                   <a:latin typeface="微软雅黑" panose="020B0503020204020204" pitchFamily="34" charset="-122"/>
                   <a:ea typeface="微软雅黑" panose="020B0503020204020204" pitchFamily="34" charset="-122"/>
                 </a:rPr>
-                <a:t>在这个过程中，要准确确定发明的技术领域，应结合</a:t>
+                <a:t>在这个过程中，要准确确定发明的</a:t>
+              </a:r>
+              <a:r>
+                <a:rPr lang="zh-CN" altLang="en-US" sz="1200" b="1" dirty="0">
+                  <a:solidFill>
+                    <a:srgbClr val="2B4E72"/>
+                  </a:solidFill>
+                  <a:latin typeface="微软雅黑" panose="020B0503020204020204" pitchFamily="34" charset="-122"/>
+                  <a:ea typeface="微软雅黑" panose="020B0503020204020204" pitchFamily="34" charset="-122"/>
+                </a:rPr>
+                <a:t>技术领域</a:t>
+              </a:r>
+              <a:r>
+                <a:rPr lang="zh-CN" altLang="en-US" sz="1200" dirty="0">
+                  <a:solidFill>
+                    <a:schemeClr val="bg2">
+                      <a:lumMod val="50000"/>
+                    </a:schemeClr>
+                  </a:solidFill>
+                  <a:latin typeface="微软雅黑" panose="020B0503020204020204" pitchFamily="34" charset="-122"/>
+                  <a:ea typeface="微软雅黑" panose="020B0503020204020204" pitchFamily="34" charset="-122"/>
+                </a:rPr>
+                <a:t>，应结合</a:t>
               </a:r>
               <a:r>
                 <a:rPr lang="en-US" altLang="zh-CN" sz="1200" dirty="0">
@@ -22737,7 +23947,51 @@
                   <a:latin typeface="微软雅黑" panose="020B0503020204020204" pitchFamily="34" charset="-122"/>
                   <a:ea typeface="微软雅黑" panose="020B0503020204020204" pitchFamily="34" charset="-122"/>
                 </a:rPr>
-                <a:t>国际专利分类法来进行。如果是方法发明，应深入研究其各个步骤和工序，以及各个工序中使用的工艺参数和条件。</a:t>
+                <a:t>国际专利分类法来进行。如果是方法发明，应深入研究其各个</a:t>
+              </a:r>
+              <a:r>
+                <a:rPr lang="zh-CN" altLang="en-US" sz="1200" b="1" dirty="0">
+                  <a:solidFill>
+                    <a:srgbClr val="2B4E72"/>
+                  </a:solidFill>
+                  <a:latin typeface="微软雅黑" panose="020B0503020204020204" pitchFamily="34" charset="-122"/>
+                  <a:ea typeface="微软雅黑" panose="020B0503020204020204" pitchFamily="34" charset="-122"/>
+                </a:rPr>
+                <a:t>步骤和工序</a:t>
+              </a:r>
+              <a:r>
+                <a:rPr lang="zh-CN" altLang="en-US" sz="1200" dirty="0">
+                  <a:solidFill>
+                    <a:schemeClr val="bg2">
+                      <a:lumMod val="50000"/>
+                    </a:schemeClr>
+                  </a:solidFill>
+                  <a:latin typeface="微软雅黑" panose="020B0503020204020204" pitchFamily="34" charset="-122"/>
+                  <a:ea typeface="微软雅黑" panose="020B0503020204020204" pitchFamily="34" charset="-122"/>
+                </a:rPr>
+                <a:t>，以及各个工序中使用的工艺</a:t>
+              </a:r>
+              <a:r>
+                <a:rPr lang="zh-CN" altLang="en-US" sz="1200" b="1" dirty="0">
+                  <a:solidFill>
+                    <a:srgbClr val="2B4E72"/>
+                  </a:solidFill>
+                  <a:latin typeface="微软雅黑" panose="020B0503020204020204" pitchFamily="34" charset="-122"/>
+                  <a:ea typeface="微软雅黑" panose="020B0503020204020204" pitchFamily="34" charset="-122"/>
+                </a:rPr>
+                <a:t>参数和条件</a:t>
+              </a:r>
+              <a:r>
+                <a:rPr lang="zh-CN" altLang="en-US" sz="1200" dirty="0">
+                  <a:solidFill>
+                    <a:schemeClr val="bg2">
+                      <a:lumMod val="50000"/>
+                    </a:schemeClr>
+                  </a:solidFill>
+                  <a:latin typeface="微软雅黑" panose="020B0503020204020204" pitchFamily="34" charset="-122"/>
+                  <a:ea typeface="微软雅黑" panose="020B0503020204020204" pitchFamily="34" charset="-122"/>
+                </a:rPr>
+                <a:t>。</a:t>
               </a:r>
             </a:p>
           </p:txBody>
@@ -23112,7 +24366,29 @@
                   <a:latin typeface="微软雅黑" panose="020B0503020204020204" pitchFamily="34" charset="-122"/>
                   <a:ea typeface="微软雅黑" panose="020B0503020204020204" pitchFamily="34" charset="-122"/>
                 </a:rPr>
-                <a:t>做好专利申请前的检索，是申请人撰写好申请文件和顺利获得批准的前提条件。申请人对检索的结果要进行分析研究，以确定哪些是属于影响新颗性的材料，哪些是影响创造性的材料，哪些仅仅是背景材料。对关键的材料要深入研究。</a:t>
+                <a:t>做好专利申请前的检索，是申请人撰写好申请文件和顺利获得批准的前提条件。申请人对检索的结果要进行分析研究，以确定哪些是属于影响新颖性的材料，哪些是影响创造性的材料，哪些仅仅是背景材料。</a:t>
+              </a:r>
+              <a:r>
+                <a:rPr lang="zh-CN" altLang="en-US" sz="1200" b="1" dirty="0">
+                  <a:solidFill>
+                    <a:srgbClr val="2B4E72"/>
+                  </a:solidFill>
+                  <a:latin typeface="微软雅黑" panose="020B0503020204020204" pitchFamily="34" charset="-122"/>
+                  <a:ea typeface="微软雅黑" panose="020B0503020204020204" pitchFamily="34" charset="-122"/>
+                </a:rPr>
+                <a:t>对关键的材料深入研究</a:t>
+              </a:r>
+              <a:r>
+                <a:rPr lang="zh-CN" altLang="en-US" sz="1200" dirty="0">
+                  <a:solidFill>
+                    <a:schemeClr val="bg2">
+                      <a:lumMod val="50000"/>
+                    </a:schemeClr>
+                  </a:solidFill>
+                  <a:latin typeface="微软雅黑" panose="020B0503020204020204" pitchFamily="34" charset="-122"/>
+                  <a:ea typeface="微软雅黑" panose="020B0503020204020204" pitchFamily="34" charset="-122"/>
+                </a:rPr>
+                <a:t>。</a:t>
               </a:r>
             </a:p>
           </p:txBody>
@@ -23494,7 +24770,29 @@
                   <a:latin typeface="微软雅黑" panose="020B0503020204020204" pitchFamily="34" charset="-122"/>
                   <a:ea typeface="微软雅黑" panose="020B0503020204020204" pitchFamily="34" charset="-122"/>
                 </a:rPr>
-                <a:t>在检索结果证明发明不丧失新颖性后要确定最相关的文献。特别是对于改进发明，应对发明原型的文献进人深入细致的分析，明确它的优点和不足，根据它的不足可以提出本发明的任务，同时要确定它与本发明共有的必要技术特征。</a:t>
+                <a:t>在检索结果证明发明不丧失新颖性后要确定最相关的文献。特别是对于改进发明，应对发明原型的文献进人深入细致的分析，</a:t>
+              </a:r>
+              <a:r>
+                <a:rPr lang="zh-CN" altLang="en-US" sz="1200" b="1" dirty="0">
+                  <a:solidFill>
+                    <a:srgbClr val="2B4E72"/>
+                  </a:solidFill>
+                  <a:latin typeface="微软雅黑" panose="020B0503020204020204" pitchFamily="34" charset="-122"/>
+                  <a:ea typeface="微软雅黑" panose="020B0503020204020204" pitchFamily="34" charset="-122"/>
+                </a:rPr>
+                <a:t>明确它的优点和不足</a:t>
+              </a:r>
+              <a:r>
+                <a:rPr lang="zh-CN" altLang="en-US" sz="1200" dirty="0">
+                  <a:solidFill>
+                    <a:schemeClr val="bg2">
+                      <a:lumMod val="50000"/>
+                    </a:schemeClr>
+                  </a:solidFill>
+                  <a:latin typeface="微软雅黑" panose="020B0503020204020204" pitchFamily="34" charset="-122"/>
+                  <a:ea typeface="微软雅黑" panose="020B0503020204020204" pitchFamily="34" charset="-122"/>
+                </a:rPr>
+                <a:t>，根据它的不足可以提出本发明的任务，同时要确定它与本发明共有的必要技术特征。</a:t>
               </a:r>
             </a:p>
           </p:txBody>
@@ -23902,7 +25200,29 @@
                   <a:latin typeface="微软雅黑" panose="020B0503020204020204" pitchFamily="34" charset="-122"/>
                   <a:ea typeface="微软雅黑" panose="020B0503020204020204" pitchFamily="34" charset="-122"/>
                 </a:rPr>
-                <a:t>如何确定一个合适的保护范围很重要。太宽了，审查员通不过，专利批不了，太窄了，发明人的利益不能得到充分的保护。所以应选择一个尽可能宽的、但又能够通过审查的、合适的保护范围。</a:t>
+                <a:t>如何确定一个合适的保护范围很重要。太宽了，审查员通不过，专利批不了，太窄了，发明人的利益不能得到充分的保护。所以应选择一个尽可能宽的、但又能够通过审查的、</a:t>
+              </a:r>
+              <a:r>
+                <a:rPr lang="zh-CN" altLang="en-US" sz="1200" b="1" dirty="0">
+                  <a:solidFill>
+                    <a:srgbClr val="2B4E72"/>
+                  </a:solidFill>
+                  <a:latin typeface="微软雅黑" panose="020B0503020204020204" pitchFamily="34" charset="-122"/>
+                  <a:ea typeface="微软雅黑" panose="020B0503020204020204" pitchFamily="34" charset="-122"/>
+                </a:rPr>
+                <a:t>合适的保护范围</a:t>
+              </a:r>
+              <a:r>
+                <a:rPr lang="zh-CN" altLang="en-US" sz="1200" dirty="0">
+                  <a:solidFill>
+                    <a:schemeClr val="bg2">
+                      <a:lumMod val="50000"/>
+                    </a:schemeClr>
+                  </a:solidFill>
+                  <a:latin typeface="微软雅黑" panose="020B0503020204020204" pitchFamily="34" charset="-122"/>
+                  <a:ea typeface="微软雅黑" panose="020B0503020204020204" pitchFamily="34" charset="-122"/>
+                </a:rPr>
+                <a:t>。</a:t>
               </a:r>
             </a:p>
           </p:txBody>
@@ -24420,11 +25740,9 @@
                 <a:t>严格按照前述介绍的起草说明书的</a:t>
               </a:r>
               <a:r>
-                <a:rPr lang="en-US" altLang="zh-CN" sz="1200" dirty="0">
-                  <a:solidFill>
-                    <a:schemeClr val="bg2">
-                      <a:lumMod val="50000"/>
-                    </a:schemeClr>
+                <a:rPr lang="en-US" altLang="zh-CN" sz="1200" b="1" dirty="0">
+                  <a:solidFill>
+                    <a:srgbClr val="2B4E72"/>
                   </a:solidFill>
                   <a:latin typeface="微软雅黑" panose="020B0503020204020204" pitchFamily="34" charset="-122"/>
                   <a:ea typeface="微软雅黑" panose="020B0503020204020204" pitchFamily="34" charset="-122"/>
@@ -24432,6 +25750,16 @@
                 <a:t>8</a:t>
               </a:r>
               <a:r>
+                <a:rPr lang="zh-CN" altLang="en-US" sz="1200" b="1" dirty="0">
+                  <a:solidFill>
+                    <a:srgbClr val="2B4E72"/>
+                  </a:solidFill>
+                  <a:latin typeface="微软雅黑" panose="020B0503020204020204" pitchFamily="34" charset="-122"/>
+                  <a:ea typeface="微软雅黑" panose="020B0503020204020204" pitchFamily="34" charset="-122"/>
+                </a:rPr>
+                <a:t>个部分</a:t>
+              </a:r>
+              <a:r>
                 <a:rPr lang="zh-CN" altLang="en-US" sz="1200" dirty="0">
                   <a:solidFill>
                     <a:schemeClr val="bg2">
@@ -24441,7 +25769,7 @@
                   <a:latin typeface="微软雅黑" panose="020B0503020204020204" pitchFamily="34" charset="-122"/>
                   <a:ea typeface="微软雅黑" panose="020B0503020204020204" pitchFamily="34" charset="-122"/>
                 </a:rPr>
-                <a:t>个部分的内容和要求撰写。</a:t>
+                <a:t>的内容和要求撰写。</a:t>
               </a:r>
             </a:p>
           </p:txBody>
@@ -26417,8 +27745,8 @@
         </p:nvSpPr>
         <p:spPr>
           <a:xfrm>
-            <a:off x="827314" y="1480684"/>
-            <a:ext cx="10693173" cy="2308324"/>
+            <a:off x="1180010" y="1565591"/>
+            <a:ext cx="10008327" cy="2262671"/>
           </a:xfrm>
           <a:prstGeom prst="rect">
             <a:avLst/>
@@ -26432,16 +27760,33 @@
           <a:p>
             <a:pPr>
               <a:lnSpc>
-                <a:spcPct val="140000"/>
+                <a:spcPct val="150000"/>
               </a:lnSpc>
             </a:pPr>
             <a:r>
-              <a:rPr lang="zh-CN" altLang="en-US" dirty="0"/>
-              <a:t>附图是用来补充说明说明书中的文字部的，是说明书的组成部分。发明说明书根据内容需要，可以有附图，也可以没有附图。实用新型说明书必须有附图。附图和说明书中对附图的说明要图文相符。文中提到附图，而实际上却没有提交或少交附图的，将可能影响申请。附图的形式可以是基本视图、斜视图也可以是示意图或流程图。只要能完整、准确地表达说明书的内容即可。附图不必画成详细的工程加工图或装配图。复杂的图表一般也作为附图处理</a:t>
+              <a:rPr lang="zh-CN" altLang="en-US" sz="1600" dirty="0"/>
+              <a:t>附图是用来补充说明说明书中的文字部的，是说明书的组成部分。发明说明书根据内容需要，可以有附图，也可以没有附图。实用新型说明书必须有附图。附图和说明书中对附图的说明要</a:t>
+            </a:r>
+            <a:r>
+              <a:rPr lang="zh-CN" altLang="en-US" sz="1600" b="1" dirty="0">
+                <a:solidFill>
+                  <a:srgbClr val="2B4E72"/>
+                </a:solidFill>
+              </a:rPr>
+              <a:t>图文相符</a:t>
+            </a:r>
+            <a:r>
+              <a:rPr lang="zh-CN" altLang="en-US" sz="1600" dirty="0"/>
+              <a:t>。文中提到附图，而实际上却没有提交或少交附图的，将可能影响申请。附图的形式可以是基本视图、斜视图也可以是示意图或流程图。只要能完整、准确地表达说明书的内容即可。附图不必画成详细的工程加工图或装配图。复杂的图表一般也作为附图处理</a:t>
             </a:r>
           </a:p>
           <a:p>
-            <a:endParaRPr lang="zh-CN" altLang="en-US" dirty="0"/>
+            <a:pPr>
+              <a:lnSpc>
+                <a:spcPct val="150000"/>
+              </a:lnSpc>
+            </a:pPr>
+            <a:endParaRPr lang="zh-CN" altLang="en-US" sz="1600" dirty="0"/>
           </a:p>
         </p:txBody>
       </p:sp>
@@ -26500,8 +27845,8 @@
         </p:nvSpPr>
         <p:spPr>
           <a:xfrm>
-            <a:off x="827314" y="3877634"/>
-            <a:ext cx="10693173" cy="2764475"/>
+            <a:off x="1180010" y="3962541"/>
+            <a:ext cx="10008327" cy="2633734"/>
           </a:xfrm>
           <a:prstGeom prst="rect">
             <a:avLst/>
@@ -26515,76 +27860,88 @@
           <a:p>
             <a:pPr marL="342900" indent="-342900">
               <a:lnSpc>
-                <a:spcPct val="140000"/>
+                <a:spcPct val="150000"/>
               </a:lnSpc>
               <a:buFont typeface="+mj-lt"/>
               <a:buAutoNum type="arabicPeriod"/>
             </a:pPr>
             <a:r>
-              <a:rPr lang="zh-CN" altLang="zh-CN" dirty="0"/>
+              <a:rPr lang="zh-CN" altLang="zh-CN" sz="1600" dirty="0"/>
               <a:t>图形线条要均匀清楚、适合复印要求。图形应当大体按各部分尺寸的比例绘制</a:t>
             </a:r>
           </a:p>
           <a:p>
             <a:pPr marL="342900" indent="-342900">
               <a:lnSpc>
-                <a:spcPct val="140000"/>
+                <a:spcPct val="150000"/>
               </a:lnSpc>
               <a:buFont typeface="+mj-lt"/>
               <a:buAutoNum type="arabicPeriod"/>
             </a:pPr>
             <a:r>
-              <a:rPr lang="zh-CN" altLang="zh-CN" dirty="0"/>
-              <a:t>几幅图可以画在一张图纸上，也可以幅图连续画在几张图纸上。不论附图种类如何，都要连续编号，标明“图</a:t>
+              <a:rPr lang="zh-CN" altLang="zh-CN" sz="1600" dirty="0"/>
+              <a:t>几幅图可以画在一张图纸上，也可以幅图连续画在几张图纸上。不论附图种类如何，都要</a:t>
             </a:r>
             <a:r>
-              <a:rPr lang="en-US" altLang="zh-CN" dirty="0"/>
+              <a:rPr lang="zh-CN" altLang="zh-CN" sz="1600" b="1" dirty="0">
+                <a:solidFill>
+                  <a:srgbClr val="2B4E72"/>
+                </a:solidFill>
+              </a:rPr>
+              <a:t>连续编号</a:t>
+            </a:r>
+            <a:r>
+              <a:rPr lang="zh-CN" altLang="zh-CN" sz="1600" dirty="0"/>
+              <a:t>，标明“图</a:t>
+            </a:r>
+            <a:r>
+              <a:rPr lang="en-US" altLang="zh-CN" sz="1600" dirty="0"/>
               <a:t>1”</a:t>
             </a:r>
             <a:r>
-              <a:rPr lang="zh-CN" altLang="zh-CN" dirty="0"/>
+              <a:rPr lang="zh-CN" altLang="zh-CN" sz="1600" dirty="0"/>
               <a:t>、图</a:t>
             </a:r>
             <a:r>
-              <a:rPr lang="en-US" altLang="zh-CN" dirty="0"/>
+              <a:rPr lang="en-US" altLang="zh-CN" sz="1600" dirty="0"/>
               <a:t>2”</a:t>
             </a:r>
             <a:r>
-              <a:rPr lang="zh-CN" altLang="zh-CN" dirty="0"/>
+              <a:rPr lang="zh-CN" altLang="zh-CN" sz="1600" dirty="0"/>
               <a:t>等。</a:t>
             </a:r>
           </a:p>
           <a:p>
             <a:pPr marL="342900" indent="-342900">
               <a:lnSpc>
-                <a:spcPct val="140000"/>
+                <a:spcPct val="150000"/>
               </a:lnSpc>
               <a:buFont typeface="+mj-lt"/>
               <a:buAutoNum type="arabicPeriod"/>
             </a:pPr>
             <a:r>
-              <a:rPr lang="zh-CN" altLang="zh-CN" dirty="0"/>
+              <a:rPr lang="zh-CN" altLang="zh-CN" sz="1600" dirty="0"/>
               <a:t>为了标明图中的不同组成部分，可以用阿拉伯数字作出标记。附图中作出的标记应当和说明书中提到的标记一一对应。申请文件各部分中表示同一组成部分的标记应当一致。</a:t>
             </a:r>
           </a:p>
           <a:p>
             <a:pPr marL="342900" indent="-342900">
               <a:lnSpc>
-                <a:spcPct val="140000"/>
+                <a:spcPct val="150000"/>
               </a:lnSpc>
               <a:buFont typeface="+mj-lt"/>
               <a:buAutoNum type="arabicPeriod"/>
             </a:pPr>
             <a:r>
-              <a:rPr lang="zh-CN" altLang="zh-CN" dirty="0"/>
+              <a:rPr lang="zh-CN" altLang="zh-CN" sz="1600" dirty="0"/>
               <a:t>除非经审查员同意，附图中只允许有，例如“水”、“汽”、“开”、“关”、“</a:t>
             </a:r>
             <a:r>
-              <a:rPr lang="en-US" altLang="zh-CN" dirty="0"/>
+              <a:rPr lang="en-US" altLang="zh-CN" sz="1600" dirty="0"/>
               <a:t>A-A</a:t>
             </a:r>
             <a:r>
-              <a:rPr lang="zh-CN" altLang="zh-CN" dirty="0"/>
+              <a:rPr lang="zh-CN" altLang="zh-CN" sz="1600" dirty="0"/>
               <a:t>剖面”等少量简单文字，不应有其它注释。对附图图面的说明或解释应当放在说明书相应的段落中。</a:t>
             </a:r>
           </a:p>
@@ -26604,7 +27961,7 @@
         </p:nvSpPr>
         <p:spPr>
           <a:xfrm>
-            <a:off x="669924" y="3546496"/>
+            <a:off x="669924" y="3464116"/>
             <a:ext cx="10850563" cy="461665"/>
           </a:xfrm>
           <a:prstGeom prst="rect">
@@ -26626,7 +27983,7 @@
                 <a:latin typeface="微软雅黑" panose="020B0503020204020204" pitchFamily="34" charset="-122"/>
                 <a:ea typeface="微软雅黑" panose="020B0503020204020204" pitchFamily="34" charset="-122"/>
               </a:rPr>
-              <a:t>有关附图的具体要求为</a:t>
+              <a:t>有关附图的具体要求</a:t>
             </a:r>
             <a:endParaRPr lang="zh-CN" altLang="en-US" sz="2400" b="1" dirty="0">
               <a:solidFill>
@@ -26687,7 +28044,12 @@
             <p:ph type="sldNum" sz="quarter" idx="12"/>
           </p:nvPr>
         </p:nvSpPr>
-        <p:spPr/>
+        <p:spPr>
+          <a:xfrm>
+            <a:off x="8610599" y="6240463"/>
+            <a:ext cx="2909888" cy="206381"/>
+          </a:xfrm>
+        </p:spPr>
         <p:txBody>
           <a:bodyPr/>
           <a:lstStyle/>
@@ -26999,10 +28361,10 @@
         </p:nvGrpSpPr>
         <p:grpSpPr>
           <a:xfrm>
-            <a:off x="937923" y="3214067"/>
-            <a:ext cx="5195466" cy="894152"/>
-            <a:chOff x="759673" y="4062769"/>
-            <a:chExt cx="5195466" cy="894152"/>
+            <a:off x="852267" y="2392979"/>
+            <a:ext cx="5454088" cy="1320704"/>
+            <a:chOff x="573108" y="4042734"/>
+            <a:chExt cx="5454088" cy="1320704"/>
           </a:xfrm>
         </p:grpSpPr>
         <p:sp>
@@ -27019,8 +28381,8 @@
           </p:nvSpPr>
           <p:spPr>
             <a:xfrm>
-              <a:off x="759673" y="4062769"/>
-              <a:ext cx="643125" cy="584775"/>
+              <a:off x="573108" y="4042734"/>
+              <a:ext cx="888385" cy="830997"/>
             </a:xfrm>
             <a:prstGeom prst="rect">
               <a:avLst/>
@@ -27034,7 +28396,7 @@
             <a:lstStyle/>
             <a:p>
               <a:r>
-                <a:rPr lang="en-US" altLang="zh-CN" sz="3200" b="1" dirty="0">
+                <a:rPr lang="en-US" altLang="zh-CN" sz="4800" b="1" dirty="0">
                   <a:solidFill>
                     <a:schemeClr val="accent1"/>
                   </a:solidFill>
@@ -27042,7 +28404,7 @@
                 <a:t>0</a:t>
               </a:r>
               <a:r>
-                <a:rPr lang="en-US" altLang="zh-CN" sz="100" b="1" dirty="0">
+                <a:rPr lang="en-US" altLang="zh-CN" sz="500" b="1" dirty="0">
                   <a:solidFill>
                     <a:schemeClr val="accent1"/>
                   </a:solidFill>
@@ -27050,14 +28412,14 @@
                 <a:t> </a:t>
               </a:r>
               <a:r>
-                <a:rPr lang="en-US" altLang="zh-CN" sz="3200" b="1" dirty="0">
+                <a:rPr lang="en-US" altLang="zh-CN" sz="4800" b="1" dirty="0">
                   <a:solidFill>
                     <a:schemeClr val="accent1"/>
                   </a:solidFill>
                 </a:rPr>
                 <a:t>1</a:t>
               </a:r>
-              <a:endParaRPr lang="zh-CN" altLang="en-US" sz="3200" b="1" dirty="0">
+              <a:endParaRPr lang="zh-CN" altLang="en-US" sz="4800" b="1" dirty="0">
                 <a:solidFill>
                   <a:schemeClr val="accent1"/>
                 </a:solidFill>
@@ -27079,8 +28441,8 @@
           </p:nvSpPr>
           <p:spPr>
             <a:xfrm>
-              <a:off x="1399592" y="4430110"/>
-              <a:ext cx="4555547" cy="526811"/>
+              <a:off x="1471649" y="4662862"/>
+              <a:ext cx="4555547" cy="700576"/>
             </a:xfrm>
             <a:prstGeom prst="rect">
               <a:avLst/>
@@ -27177,7 +28539,7 @@
                 <a:defRPr/>
               </a:pPr>
               <a:r>
-                <a:rPr lang="en-US" altLang="zh-CN" sz="1000" dirty="0">
+                <a:rPr lang="en-US" altLang="zh-CN" sz="1400" dirty="0">
                   <a:solidFill>
                     <a:schemeClr val="bg1">
                       <a:lumMod val="50000"/>
@@ -27190,7 +28552,7 @@
                 <a:t>· </a:t>
               </a:r>
               <a:r>
-                <a:rPr lang="zh-CN" altLang="en-US" sz="1000" dirty="0">
+                <a:rPr lang="zh-CN" altLang="en-US" sz="1400" dirty="0">
                   <a:solidFill>
                     <a:schemeClr val="bg1">
                       <a:lumMod val="50000"/>
@@ -27202,7 +28564,7 @@
                 </a:rPr>
                 <a:t>认识专利</a:t>
               </a:r>
-              <a:endParaRPr lang="en-US" altLang="zh-CN" sz="1000" dirty="0">
+              <a:endParaRPr lang="en-US" altLang="zh-CN" sz="1400" dirty="0">
                 <a:solidFill>
                   <a:schemeClr val="bg1">
                     <a:lumMod val="50000"/>
@@ -27231,7 +28593,7 @@
                 <a:defRPr/>
               </a:pPr>
               <a:r>
-                <a:rPr kumimoji="0" lang="en-US" altLang="zh-CN" sz="1000" i="0" u="none" strike="noStrike" kern="1200" cap="none" spc="0" normalizeH="0" baseline="0" noProof="0" dirty="0">
+                <a:rPr kumimoji="0" lang="en-US" altLang="zh-CN" sz="1400" i="0" u="none" strike="noStrike" kern="1200" cap="none" spc="0" normalizeH="0" baseline="0" noProof="0" dirty="0">
                   <a:ln>
                     <a:noFill/>
                   </a:ln>
@@ -27250,7 +28612,7 @@
                 <a:t>· </a:t>
               </a:r>
               <a:r>
-                <a:rPr lang="zh-CN" altLang="en-US" sz="1000" dirty="0">
+                <a:rPr lang="zh-CN" altLang="en-US" sz="1400" dirty="0">
                   <a:solidFill>
                     <a:schemeClr val="bg1">
                       <a:lumMod val="50000"/>
@@ -27262,7 +28624,7 @@
                 </a:rPr>
                 <a:t>专利的种类和特性</a:t>
               </a:r>
-              <a:endParaRPr kumimoji="0" lang="en-US" altLang="zh-CN" sz="1000" i="0" u="none" strike="noStrike" kern="1200" cap="none" spc="0" normalizeH="0" baseline="0" noProof="0" dirty="0">
+              <a:endParaRPr kumimoji="0" lang="en-US" altLang="zh-CN" sz="1400" i="0" u="none" strike="noStrike" kern="1200" cap="none" spc="0" normalizeH="0" baseline="0" noProof="0" dirty="0">
                 <a:ln>
                   <a:noFill/>
                 </a:ln>
@@ -27296,7 +28658,7 @@
           <p:spPr>
             <a:xfrm>
               <a:off x="1399592" y="4154844"/>
-              <a:ext cx="4555547" cy="360612"/>
+              <a:ext cx="4555547" cy="564898"/>
             </a:xfrm>
             <a:prstGeom prst="rect">
               <a:avLst/>
@@ -27382,14 +28744,14 @@
                 </a:lnSpc>
               </a:pPr>
               <a:r>
-                <a:rPr lang="zh-CN" altLang="en-US" sz="1600" b="1" dirty="0">
+                <a:rPr lang="zh-CN" altLang="en-US" sz="2800" b="1" dirty="0">
                   <a:latin typeface="微软雅黑" panose="020B0503020204020204" pitchFamily="34" charset="-122"/>
                   <a:ea typeface="微软雅黑" panose="020B0503020204020204" pitchFamily="34" charset="-122"/>
                   <a:sym typeface="微软雅黑" panose="020B0503020204020204" pitchFamily="34" charset="-122"/>
                 </a:rPr>
                 <a:t>什么是专利</a:t>
               </a:r>
-              <a:endParaRPr lang="en-US" altLang="zh-CN" sz="1600" dirty="0">
+              <a:endParaRPr lang="en-US" altLang="zh-CN" sz="2800" dirty="0">
                 <a:solidFill>
                   <a:schemeClr val="accent1"/>
                 </a:solidFill>
@@ -27412,10 +28774,10 @@
         </p:nvGrpSpPr>
         <p:grpSpPr>
           <a:xfrm>
-            <a:off x="937923" y="4064271"/>
-            <a:ext cx="5195466" cy="584775"/>
-            <a:chOff x="759673" y="4050069"/>
-            <a:chExt cx="5195466" cy="584775"/>
+            <a:off x="852267" y="3614925"/>
+            <a:ext cx="5382030" cy="830997"/>
+            <a:chOff x="772542" y="4040671"/>
+            <a:chExt cx="5382030" cy="830997"/>
           </a:xfrm>
         </p:grpSpPr>
         <p:sp>
@@ -27432,8 +28794,8 @@
           </p:nvSpPr>
           <p:spPr>
             <a:xfrm>
-              <a:off x="759673" y="4050069"/>
-              <a:ext cx="643125" cy="584775"/>
+              <a:off x="772542" y="4040671"/>
+              <a:ext cx="888385" cy="830997"/>
             </a:xfrm>
             <a:prstGeom prst="rect">
               <a:avLst/>
@@ -27447,7 +28809,7 @@
             <a:lstStyle/>
             <a:p>
               <a:r>
-                <a:rPr lang="en-US" altLang="zh-CN" sz="3200" b="1" dirty="0">
+                <a:rPr lang="en-US" altLang="zh-CN" sz="4800" b="1" dirty="0">
                   <a:solidFill>
                     <a:schemeClr val="accent1"/>
                   </a:solidFill>
@@ -27455,7 +28817,7 @@
                 <a:t>0</a:t>
               </a:r>
               <a:r>
-                <a:rPr lang="en-US" altLang="zh-CN" sz="100" b="1" dirty="0">
+                <a:rPr lang="en-US" altLang="zh-CN" sz="500" b="1" dirty="0">
                   <a:solidFill>
                     <a:schemeClr val="accent1"/>
                   </a:solidFill>
@@ -27463,14 +28825,14 @@
                 <a:t> </a:t>
               </a:r>
               <a:r>
-                <a:rPr lang="en-US" altLang="zh-CN" sz="3200" b="1" dirty="0">
+                <a:rPr lang="en-US" altLang="zh-CN" sz="4800" b="1" dirty="0">
                   <a:solidFill>
                     <a:schemeClr val="accent1"/>
                   </a:solidFill>
                 </a:rPr>
                 <a:t>2</a:t>
               </a:r>
-              <a:endParaRPr lang="zh-CN" altLang="en-US" sz="3200" b="1" dirty="0">
+              <a:endParaRPr lang="zh-CN" altLang="en-US" sz="4800" b="1" dirty="0">
                 <a:solidFill>
                   <a:schemeClr val="accent1"/>
                 </a:solidFill>
@@ -27492,8 +28854,8 @@
           </p:nvSpPr>
           <p:spPr>
             <a:xfrm>
-              <a:off x="1399592" y="4154844"/>
-              <a:ext cx="4555547" cy="360612"/>
+              <a:off x="1599025" y="4168378"/>
+              <a:ext cx="4555547" cy="564898"/>
             </a:xfrm>
             <a:prstGeom prst="rect">
               <a:avLst/>
@@ -27579,14 +28941,14 @@
                 </a:lnSpc>
               </a:pPr>
               <a:r>
-                <a:rPr lang="zh-CN" altLang="en-US" sz="1600" b="1" dirty="0">
+                <a:rPr lang="zh-CN" altLang="en-US" sz="2800" b="1" dirty="0">
                   <a:latin typeface="微软雅黑" panose="020B0503020204020204" pitchFamily="34" charset="-122"/>
                   <a:ea typeface="微软雅黑" panose="020B0503020204020204" pitchFamily="34" charset="-122"/>
                   <a:sym typeface="微软雅黑" panose="020B0503020204020204" pitchFamily="34" charset="-122"/>
                 </a:rPr>
                 <a:t>专利的申请流程</a:t>
               </a:r>
-              <a:endParaRPr lang="en-US" altLang="zh-CN" sz="1600" dirty="0">
+              <a:endParaRPr lang="en-US" altLang="zh-CN" sz="2800" dirty="0">
                 <a:solidFill>
                   <a:schemeClr val="accent1"/>
                 </a:solidFill>
@@ -27609,10 +28971,10 @@
         </p:nvGrpSpPr>
         <p:grpSpPr>
           <a:xfrm>
-            <a:off x="937923" y="4974522"/>
-            <a:ext cx="5195466" cy="1068988"/>
-            <a:chOff x="759673" y="4062769"/>
-            <a:chExt cx="5195466" cy="1068988"/>
+            <a:off x="862423" y="4835741"/>
+            <a:ext cx="5407903" cy="1687246"/>
+            <a:chOff x="782698" y="3572461"/>
+            <a:chExt cx="5407903" cy="1687246"/>
           </a:xfrm>
         </p:grpSpPr>
         <p:sp>
@@ -27629,8 +28991,8 @@
           </p:nvSpPr>
           <p:spPr>
             <a:xfrm>
-              <a:off x="759673" y="4062769"/>
-              <a:ext cx="643125" cy="584775"/>
+              <a:off x="782698" y="3572461"/>
+              <a:ext cx="888385" cy="830997"/>
             </a:xfrm>
             <a:prstGeom prst="rect">
               <a:avLst/>
@@ -27644,7 +29006,7 @@
             <a:lstStyle/>
             <a:p>
               <a:r>
-                <a:rPr lang="en-US" altLang="zh-CN" sz="3200" b="1" dirty="0">
+                <a:rPr lang="en-US" altLang="zh-CN" sz="4800" b="1" dirty="0">
                   <a:solidFill>
                     <a:schemeClr val="accent1"/>
                   </a:solidFill>
@@ -27652,7 +29014,7 @@
                 <a:t>0</a:t>
               </a:r>
               <a:r>
-                <a:rPr lang="en-US" altLang="zh-CN" sz="100" b="1" dirty="0">
+                <a:rPr lang="en-US" altLang="zh-CN" sz="500" b="1" dirty="0">
                   <a:solidFill>
                     <a:schemeClr val="accent1"/>
                   </a:solidFill>
@@ -27660,14 +29022,14 @@
                 <a:t> </a:t>
               </a:r>
               <a:r>
-                <a:rPr lang="en-US" altLang="zh-CN" sz="3200" b="1" dirty="0">
+                <a:rPr lang="en-US" altLang="zh-CN" sz="4800" b="1" dirty="0">
                   <a:solidFill>
                     <a:schemeClr val="accent1"/>
                   </a:solidFill>
                 </a:rPr>
                 <a:t>3</a:t>
               </a:r>
-              <a:endParaRPr lang="zh-CN" altLang="en-US" sz="3200" b="1" dirty="0">
+              <a:endParaRPr lang="zh-CN" altLang="en-US" sz="4800" b="1" dirty="0">
                 <a:solidFill>
                   <a:schemeClr val="accent1"/>
                 </a:solidFill>
@@ -27689,8 +29051,8 @@
           </p:nvSpPr>
           <p:spPr>
             <a:xfrm>
-              <a:off x="1398716" y="4501328"/>
-              <a:ext cx="4555547" cy="630429"/>
+              <a:off x="1635054" y="4236350"/>
+              <a:ext cx="4555547" cy="1023357"/>
             </a:xfrm>
             <a:prstGeom prst="rect">
               <a:avLst/>
@@ -27772,11 +29134,11 @@
             <a:p>
               <a:pPr>
                 <a:lnSpc>
-                  <a:spcPct val="120000"/>
+                  <a:spcPct val="150000"/>
                 </a:lnSpc>
               </a:pPr>
               <a:r>
-                <a:rPr lang="en-US" altLang="zh-CN" sz="1000" dirty="0">
+                <a:rPr lang="en-US" altLang="zh-CN" sz="1400" dirty="0">
                   <a:solidFill>
                     <a:schemeClr val="bg1">
                       <a:lumMod val="50000"/>
@@ -27786,7 +29148,7 @@
                 <a:t>· </a:t>
               </a:r>
               <a:r>
-                <a:rPr lang="zh-CN" altLang="en-US" sz="1000" dirty="0">
+                <a:rPr lang="zh-CN" altLang="en-US" sz="1400" dirty="0">
                   <a:solidFill>
                     <a:schemeClr val="bg1">
                       <a:lumMod val="50000"/>
@@ -27795,7 +29157,7 @@
                 </a:rPr>
                 <a:t>专利权力要求书</a:t>
               </a:r>
-              <a:endParaRPr lang="en-US" altLang="zh-CN" sz="1000" dirty="0">
+              <a:endParaRPr lang="en-US" altLang="zh-CN" sz="1400" dirty="0">
                 <a:solidFill>
                   <a:schemeClr val="bg1">
                     <a:lumMod val="50000"/>
@@ -27806,11 +29168,11 @@
             <a:p>
               <a:pPr>
                 <a:lnSpc>
-                  <a:spcPct val="120000"/>
+                  <a:spcPct val="150000"/>
                 </a:lnSpc>
               </a:pPr>
               <a:r>
-                <a:rPr lang="en-US" altLang="zh-CN" sz="1000" dirty="0">
+                <a:rPr lang="en-US" altLang="zh-CN" sz="1400" dirty="0">
                   <a:solidFill>
                     <a:schemeClr val="bg1">
                       <a:lumMod val="50000"/>
@@ -27820,7 +29182,7 @@
                 <a:t>· </a:t>
               </a:r>
               <a:r>
-                <a:rPr lang="zh-CN" altLang="en-US" sz="1000" dirty="0">
+                <a:rPr lang="zh-CN" altLang="en-US" sz="1400" dirty="0">
                   <a:solidFill>
                     <a:schemeClr val="bg1">
                       <a:lumMod val="50000"/>
@@ -27829,7 +29191,7 @@
                 </a:rPr>
                 <a:t>摘要</a:t>
               </a:r>
-              <a:endParaRPr lang="en-US" altLang="zh-CN" sz="1000" dirty="0">
+              <a:endParaRPr lang="en-US" altLang="zh-CN" sz="1400" dirty="0">
                 <a:solidFill>
                   <a:schemeClr val="bg1">
                     <a:lumMod val="50000"/>
@@ -27840,11 +29202,11 @@
             <a:p>
               <a:pPr>
                 <a:lnSpc>
-                  <a:spcPct val="120000"/>
+                  <a:spcPct val="150000"/>
                 </a:lnSpc>
               </a:pPr>
               <a:r>
-                <a:rPr lang="en-US" altLang="zh-CN" sz="1000" dirty="0">
+                <a:rPr lang="en-US" altLang="zh-CN" sz="1400" dirty="0">
                   <a:solidFill>
                     <a:schemeClr val="bg1">
                       <a:lumMod val="50000"/>
@@ -27854,7 +29216,7 @@
                 <a:t>· </a:t>
               </a:r>
               <a:r>
-                <a:rPr lang="zh-CN" altLang="en-US" sz="1000" dirty="0">
+                <a:rPr lang="zh-CN" altLang="en-US" sz="1400" dirty="0">
                   <a:solidFill>
                     <a:schemeClr val="bg1">
                       <a:lumMod val="50000"/>
@@ -27863,7 +29225,7 @@
                 </a:rPr>
                 <a:t>专利说明书</a:t>
               </a:r>
-              <a:endParaRPr lang="en-US" altLang="zh-CN" sz="1000" dirty="0">
+              <a:endParaRPr lang="en-US" altLang="zh-CN" sz="1400" dirty="0">
                 <a:solidFill>
                   <a:schemeClr val="bg1">
                     <a:lumMod val="50000"/>
@@ -27887,8 +29249,8 @@
           </p:nvSpPr>
           <p:spPr>
             <a:xfrm>
-              <a:off x="1399592" y="4154844"/>
-              <a:ext cx="4555547" cy="360612"/>
+              <a:off x="1599024" y="3698878"/>
+              <a:ext cx="4555547" cy="564898"/>
             </a:xfrm>
             <a:prstGeom prst="rect">
               <a:avLst/>
@@ -27974,14 +29336,14 @@
                 </a:lnSpc>
               </a:pPr>
               <a:r>
-                <a:rPr lang="zh-CN" altLang="en-US" sz="1600" b="1" dirty="0">
+                <a:rPr lang="zh-CN" altLang="en-US" sz="2800" b="1" dirty="0">
                   <a:latin typeface="微软雅黑" panose="020B0503020204020204" pitchFamily="34" charset="-122"/>
                   <a:ea typeface="微软雅黑" panose="020B0503020204020204" pitchFamily="34" charset="-122"/>
                   <a:sym typeface="微软雅黑" panose="020B0503020204020204" pitchFamily="34" charset="-122"/>
                 </a:rPr>
                 <a:t>专利撰写要求和注意事项</a:t>
               </a:r>
-              <a:endParaRPr lang="en-US" altLang="zh-CN" sz="1600" dirty="0">
+              <a:endParaRPr lang="en-US" altLang="zh-CN" sz="2800" dirty="0">
                 <a:solidFill>
                   <a:schemeClr val="accent1"/>
                 </a:solidFill>
@@ -28278,8 +29640,8 @@
         </p:nvSpPr>
         <p:spPr>
           <a:xfrm>
-            <a:off x="1577842" y="4481822"/>
-            <a:ext cx="4555547" cy="526811"/>
+            <a:off x="1740652" y="4270843"/>
+            <a:ext cx="4555547" cy="700576"/>
           </a:xfrm>
           <a:prstGeom prst="rect">
             <a:avLst/>
@@ -28376,7 +29738,7 @@
               <a:defRPr/>
             </a:pPr>
             <a:r>
-              <a:rPr lang="en-US" altLang="zh-CN" sz="1000" dirty="0">
+              <a:rPr lang="en-US" altLang="zh-CN" sz="1400" dirty="0">
                 <a:solidFill>
                   <a:schemeClr val="bg1">
                     <a:lumMod val="50000"/>
@@ -28389,7 +29751,7 @@
               <a:t>· </a:t>
             </a:r>
             <a:r>
-              <a:rPr lang="zh-CN" altLang="en-US" sz="1000" dirty="0">
+              <a:rPr lang="zh-CN" altLang="en-US" sz="1400" dirty="0">
                 <a:solidFill>
                   <a:schemeClr val="bg1">
                     <a:lumMod val="50000"/>
@@ -28401,7 +29763,7 @@
               </a:rPr>
               <a:t>审批流程</a:t>
             </a:r>
-            <a:endParaRPr lang="en-US" altLang="zh-CN" sz="1000" dirty="0">
+            <a:endParaRPr lang="en-US" altLang="zh-CN" sz="1400" dirty="0">
               <a:solidFill>
                 <a:schemeClr val="bg1">
                   <a:lumMod val="50000"/>
@@ -28430,7 +29792,7 @@
               <a:defRPr/>
             </a:pPr>
             <a:r>
-              <a:rPr kumimoji="0" lang="en-US" altLang="zh-CN" sz="1000" i="0" u="none" strike="noStrike" kern="1200" cap="none" spc="0" normalizeH="0" baseline="0" noProof="0" dirty="0">
+              <a:rPr kumimoji="0" lang="en-US" altLang="zh-CN" sz="1400" i="0" u="none" strike="noStrike" kern="1200" cap="none" spc="0" normalizeH="0" baseline="0" noProof="0" dirty="0">
                 <a:ln>
                   <a:noFill/>
                 </a:ln>
@@ -28449,7 +29811,7 @@
               <a:t>· </a:t>
             </a:r>
             <a:r>
-              <a:rPr kumimoji="0" lang="zh-CN" altLang="en-US" sz="1000" i="0" u="none" strike="noStrike" kern="1200" cap="none" spc="0" normalizeH="0" baseline="0" noProof="0" dirty="0">
+              <a:rPr kumimoji="0" lang="zh-CN" altLang="en-US" sz="1400" i="0" u="none" strike="noStrike" kern="1200" cap="none" spc="0" normalizeH="0" baseline="0" noProof="0" dirty="0">
                 <a:ln>
                   <a:noFill/>
                 </a:ln>
@@ -28467,7 +29829,7 @@
               </a:rPr>
               <a:t>申请文件</a:t>
             </a:r>
-            <a:endParaRPr kumimoji="0" lang="en-US" altLang="zh-CN" sz="1000" i="0" u="none" strike="noStrike" kern="1200" cap="none" spc="0" normalizeH="0" baseline="0" noProof="0" dirty="0">
+            <a:endParaRPr kumimoji="0" lang="en-US" altLang="zh-CN" sz="1400" i="0" u="none" strike="noStrike" kern="1200" cap="none" spc="0" normalizeH="0" baseline="0" noProof="0" dirty="0">
               <a:ln>
                 <a:noFill/>
               </a:ln>
@@ -28605,13 +29967,12 @@
           <a:lstStyle/>
           <a:p>
             <a:r>
-              <a:rPr lang="en-US" altLang="zh-CN" sz="1800" b="0" i="0" u="none" strike="noStrike" dirty="0">
-                <a:effectLst/>
+              <a:rPr lang="en-US" altLang="zh-CN" sz="1800" dirty="0">
                 <a:latin typeface="微软雅黑" panose="020B0503020204020204" pitchFamily="34" charset="-122"/>
                 <a:ea typeface="微软雅黑" panose="020B0503020204020204" pitchFamily="34" charset="-122"/>
                 <a:sym typeface="微软雅黑" panose="020B0503020204020204" pitchFamily="34" charset="-122"/>
               </a:rPr>
-              <a:t>INTELLECTUAL PROPERTY</a:t>
+              <a:t>HOW TO WRITE A PATENT</a:t>
             </a:r>
             <a:endParaRPr lang="en-US" altLang="zh-CN" sz="1800" b="1" spc="300" dirty="0">
               <a:latin typeface="微软雅黑" panose="020B0503020204020204" pitchFamily="34" charset="-122"/>
@@ -30555,7 +31916,7 @@
         <p:spPr>
           <a:xfrm>
             <a:off x="2299909" y="2605552"/>
-            <a:ext cx="5705389" cy="613694"/>
+            <a:ext cx="7428254" cy="700576"/>
           </a:xfrm>
           <a:prstGeom prst="rect">
             <a:avLst/>
@@ -30574,7 +31935,7 @@
               </a:lnSpc>
             </a:pPr>
             <a:r>
-              <a:rPr lang="zh-CN" altLang="en-US" sz="1200" dirty="0">
+              <a:rPr lang="zh-CN" altLang="en-US" sz="1400" dirty="0">
                 <a:latin typeface="微软雅黑" panose="020B0503020204020204" pitchFamily="34" charset="-122"/>
                 <a:ea typeface="微软雅黑" panose="020B0503020204020204" pitchFamily="34" charset="-122"/>
                 <a:sym typeface="微软雅黑" panose="020B0503020204020204" pitchFamily="34" charset="-122"/>
@@ -30593,7 +31954,7 @@
         <p:spPr>
           <a:xfrm>
             <a:off x="2299909" y="1893364"/>
-            <a:ext cx="5668072" cy="613694"/>
+            <a:ext cx="7379668" cy="700576"/>
           </a:xfrm>
           <a:prstGeom prst="rect">
             <a:avLst/>
@@ -30612,14 +31973,14 @@
               </a:lnSpc>
             </a:pPr>
             <a:r>
-              <a:rPr lang="zh-CN" altLang="en-US" sz="1200" dirty="0">
+              <a:rPr lang="zh-CN" altLang="en-US" sz="1400" dirty="0">
                 <a:latin typeface="微软雅黑" panose="020B0503020204020204" pitchFamily="34" charset="-122"/>
                 <a:ea typeface="微软雅黑" panose="020B0503020204020204" pitchFamily="34" charset="-122"/>
                 <a:sym typeface="微软雅黑" panose="020B0503020204020204" pitchFamily="34" charset="-122"/>
               </a:rPr>
               <a:t>专利是指一项发明创造向国家审批机关提出专利申请，经依法审查合格后向专利申请人授予的在规定的时间内对该项发明创造享有的专有权。 </a:t>
             </a:r>
-            <a:endParaRPr lang="en-US" altLang="zh-CN" sz="1200" dirty="0">
+            <a:endParaRPr lang="en-US" altLang="zh-CN" sz="1400" dirty="0">
               <a:latin typeface="微软雅黑" panose="020B0503020204020204" pitchFamily="34" charset="-122"/>
               <a:ea typeface="微软雅黑" panose="020B0503020204020204" pitchFamily="34" charset="-122"/>
               <a:sym typeface="微软雅黑" panose="020B0503020204020204" pitchFamily="34" charset="-122"/>
@@ -30695,9 +32056,9 @@
         <p:grpSpPr>
           <a:xfrm>
             <a:off x="2387881" y="3692049"/>
-            <a:ext cx="8445501" cy="1664269"/>
+            <a:ext cx="8445501" cy="2153580"/>
             <a:chOff x="660399" y="2071687"/>
-            <a:chExt cx="10858501" cy="2139775"/>
+            <a:chExt cx="10858501" cy="2768890"/>
           </a:xfrm>
         </p:grpSpPr>
         <p:grpSp>
@@ -30715,9 +32076,9 @@
           <p:grpSpPr>
             <a:xfrm>
               <a:off x="660399" y="2071687"/>
-              <a:ext cx="3260546" cy="2139775"/>
+              <a:ext cx="3260546" cy="2768890"/>
               <a:chOff x="660399" y="2071687"/>
-              <a:chExt cx="3260546" cy="2139775"/>
+              <a:chExt cx="3260546" cy="2768890"/>
             </a:xfrm>
           </p:grpSpPr>
           <p:sp>
@@ -30735,7 +32096,7 @@
             <p:spPr>
               <a:xfrm>
                 <a:off x="660399" y="2081795"/>
-                <a:ext cx="3260546" cy="2129667"/>
+                <a:ext cx="3260546" cy="2758782"/>
               </a:xfrm>
               <a:prstGeom prst="rect">
                 <a:avLst/>
@@ -30810,8 +32171,8 @@
             </p:nvSpPr>
             <p:spPr>
               <a:xfrm>
-                <a:off x="972299" y="2616447"/>
-                <a:ext cx="830997" cy="356140"/>
+                <a:off x="873371" y="2616447"/>
+                <a:ext cx="1028853" cy="435284"/>
               </a:xfrm>
               <a:prstGeom prst="rect">
                 <a:avLst/>
@@ -30826,7 +32187,7 @@
               <a:p>
                 <a:pPr algn="ctr"/>
                 <a:r>
-                  <a:rPr lang="zh-CN" altLang="en-US" sz="1200" b="1" dirty="0">
+                  <a:rPr lang="zh-CN" altLang="en-US" sz="1600" b="1" dirty="0">
                     <a:solidFill>
                       <a:schemeClr val="accent2"/>
                     </a:solidFill>
@@ -30853,8 +32214,8 @@
             </p:nvSpPr>
             <p:spPr>
               <a:xfrm>
-                <a:off x="873592" y="2982696"/>
-                <a:ext cx="2834159" cy="677327"/>
+                <a:off x="766996" y="2982692"/>
+                <a:ext cx="3047351" cy="900741"/>
               </a:xfrm>
               <a:prstGeom prst="rect">
                 <a:avLst/>
@@ -30867,13 +32228,13 @@
               </a:bodyPr>
               <a:lstStyle/>
               <a:p>
-                <a:pPr algn="ctr">
+                <a:pPr>
                   <a:lnSpc>
                     <a:spcPct val="150000"/>
                   </a:lnSpc>
                 </a:pPr>
                 <a:r>
-                  <a:rPr lang="zh-CN" altLang="en-US" sz="1000" dirty="0">
+                  <a:rPr lang="zh-CN" altLang="en-US" sz="1400" dirty="0">
                     <a:solidFill>
                       <a:schemeClr val="tx1">
                         <a:lumMod val="50000"/>
@@ -30973,9 +32334,9 @@
           <p:grpSpPr>
             <a:xfrm>
               <a:off x="4459376" y="2071687"/>
-              <a:ext cx="3260546" cy="2139775"/>
+              <a:ext cx="3260546" cy="2768889"/>
               <a:chOff x="4459376" y="2071687"/>
-              <a:chExt cx="3260546" cy="2139775"/>
+              <a:chExt cx="3260546" cy="2768889"/>
             </a:xfrm>
           </p:grpSpPr>
           <p:sp>
@@ -30993,7 +32354,7 @@
             <p:spPr>
               <a:xfrm>
                 <a:off x="4459376" y="2081795"/>
-                <a:ext cx="3260546" cy="2129667"/>
+                <a:ext cx="3260546" cy="2758781"/>
               </a:xfrm>
               <a:prstGeom prst="rect">
                 <a:avLst/>
@@ -31135,8 +32496,8 @@
             </p:nvSpPr>
             <p:spPr>
               <a:xfrm>
-                <a:off x="4771276" y="2616447"/>
-                <a:ext cx="830997" cy="356142"/>
+                <a:off x="4672348" y="2616447"/>
+                <a:ext cx="1028853" cy="435284"/>
               </a:xfrm>
               <a:prstGeom prst="rect">
                 <a:avLst/>
@@ -31218,7 +32579,7 @@
               <a:p>
                 <a:pPr algn="ctr"/>
                 <a:r>
-                  <a:rPr lang="zh-CN" altLang="en-US" sz="1200" b="1" dirty="0">
+                  <a:rPr lang="zh-CN" altLang="en-US" sz="1600" b="1" dirty="0">
                     <a:solidFill>
                       <a:schemeClr val="accent2"/>
                     </a:solidFill>
@@ -31228,7 +32589,7 @@
                   </a:rPr>
                   <a:t>时间性</a:t>
                 </a:r>
-                <a:endParaRPr lang="en-US" altLang="zh-CN" sz="1200" b="1" dirty="0">
+                <a:endParaRPr lang="en-US" altLang="zh-CN" sz="1600" b="1" dirty="0">
                   <a:solidFill>
                     <a:schemeClr val="accent2"/>
                   </a:solidFill>
@@ -31254,7 +32615,7 @@
             <p:spPr>
               <a:xfrm>
                 <a:off x="4672569" y="2982692"/>
-                <a:ext cx="2834159" cy="974113"/>
+                <a:ext cx="2834159" cy="1731737"/>
               </a:xfrm>
               <a:prstGeom prst="rect">
                 <a:avLst/>
@@ -31334,13 +32695,13 @@
                 </a:lvl9pPr>
               </a:lstStyle>
               <a:p>
-                <a:pPr algn="ctr">
+                <a:pPr>
                   <a:lnSpc>
                     <a:spcPct val="150000"/>
                   </a:lnSpc>
                 </a:pPr>
                 <a:r>
-                  <a:rPr lang="zh-CN" altLang="en-US" sz="1000" dirty="0">
+                  <a:rPr lang="zh-CN" altLang="en-US" sz="1400" dirty="0">
                     <a:solidFill>
                       <a:schemeClr val="tx1">
                         <a:lumMod val="50000"/>
@@ -31507,9 +32868,9 @@
           <p:grpSpPr>
             <a:xfrm>
               <a:off x="8258354" y="2071687"/>
-              <a:ext cx="3260546" cy="2139775"/>
+              <a:ext cx="3260546" cy="2768889"/>
               <a:chOff x="8258354" y="2071687"/>
-              <a:chExt cx="3260546" cy="2139775"/>
+              <a:chExt cx="3260546" cy="2768889"/>
             </a:xfrm>
           </p:grpSpPr>
           <p:sp>
@@ -31527,7 +32888,7 @@
             <p:spPr>
               <a:xfrm>
                 <a:off x="8258354" y="2081795"/>
-                <a:ext cx="3260546" cy="2129667"/>
+                <a:ext cx="3260546" cy="2758781"/>
               </a:xfrm>
               <a:prstGeom prst="rect">
                 <a:avLst/>
@@ -31669,8 +33030,8 @@
             </p:nvSpPr>
             <p:spPr>
               <a:xfrm>
-                <a:off x="8570254" y="2616447"/>
-                <a:ext cx="830997" cy="356142"/>
+                <a:off x="8471326" y="2616447"/>
+                <a:ext cx="1028853" cy="435284"/>
               </a:xfrm>
               <a:prstGeom prst="rect">
                 <a:avLst/>
@@ -31752,7 +33113,7 @@
               <a:p>
                 <a:pPr algn="ctr"/>
                 <a:r>
-                  <a:rPr lang="zh-CN" altLang="en-US" sz="1200" b="1" dirty="0">
+                  <a:rPr lang="zh-CN" altLang="en-US" sz="1600" b="1" dirty="0">
                     <a:solidFill>
                       <a:schemeClr val="accent2"/>
                     </a:solidFill>
@@ -31762,7 +33123,7 @@
                   </a:rPr>
                   <a:t>地域性</a:t>
                 </a:r>
-                <a:endParaRPr lang="en-US" altLang="zh-CN" sz="1200" b="1" dirty="0">
+                <a:endParaRPr lang="en-US" altLang="zh-CN" sz="1600" b="1" dirty="0">
                   <a:solidFill>
                     <a:schemeClr val="accent2"/>
                   </a:solidFill>
@@ -31787,8 +33148,8 @@
             </p:nvSpPr>
             <p:spPr>
               <a:xfrm>
-                <a:off x="8471547" y="2982692"/>
-                <a:ext cx="2834159" cy="974111"/>
+                <a:off x="8425075" y="2982692"/>
+                <a:ext cx="3047353" cy="1316241"/>
               </a:xfrm>
               <a:prstGeom prst="rect">
                 <a:avLst/>
@@ -31868,13 +33229,13 @@
                 </a:lvl9pPr>
               </a:lstStyle>
               <a:p>
-                <a:pPr algn="ctr">
+                <a:pPr>
                   <a:lnSpc>
                     <a:spcPct val="150000"/>
                   </a:lnSpc>
                 </a:pPr>
                 <a:r>
-                  <a:rPr lang="zh-CN" altLang="en-US" sz="1000" dirty="0">
+                  <a:rPr lang="zh-CN" altLang="en-US" sz="1400" dirty="0">
                     <a:solidFill>
                       <a:schemeClr val="tx1">
                         <a:lumMod val="50000"/>
@@ -34865,10 +36226,10 @@
         </p:nvGrpSpPr>
         <p:grpSpPr>
           <a:xfrm>
-            <a:off x="1336964" y="2636668"/>
-            <a:ext cx="9518072" cy="2947777"/>
-            <a:chOff x="1730922" y="2269025"/>
-            <a:chExt cx="8730155" cy="1660853"/>
+            <a:off x="1336964" y="2636666"/>
+            <a:ext cx="9518072" cy="3803268"/>
+            <a:chOff x="1730922" y="2269024"/>
+            <a:chExt cx="8730155" cy="2142858"/>
           </a:xfrm>
         </p:grpSpPr>
         <p:grpSp>
@@ -34880,9 +36241,9 @@
           <p:grpSpPr>
             <a:xfrm>
               <a:off x="1730922" y="2269025"/>
-              <a:ext cx="2621455" cy="1660853"/>
+              <a:ext cx="2621455" cy="2142857"/>
               <a:chOff x="2072688" y="1543311"/>
-              <a:chExt cx="2621455" cy="1660853"/>
+              <a:chExt cx="2621455" cy="2142857"/>
             </a:xfrm>
           </p:grpSpPr>
           <p:sp>
@@ -34894,7 +36255,7 @@
             <p:spPr>
               <a:xfrm>
                 <a:off x="2072688" y="1543311"/>
-                <a:ext cx="2621455" cy="1660853"/>
+                <a:ext cx="2621455" cy="2142857"/>
               </a:xfrm>
               <a:prstGeom prst="rect">
                 <a:avLst/>
@@ -35180,7 +36541,7 @@
             <p:spPr>
               <a:xfrm>
                 <a:off x="2244094" y="2387117"/>
-                <a:ext cx="2278644" cy="817047"/>
+                <a:ext cx="2400441" cy="1299051"/>
               </a:xfrm>
               <a:prstGeom prst="rect">
                 <a:avLst/>
@@ -35289,11 +36650,11 @@
               <a:p>
                 <a:pPr>
                   <a:lnSpc>
-                    <a:spcPct val="150000"/>
+                    <a:spcPct val="130000"/>
                   </a:lnSpc>
                 </a:pPr>
                 <a:r>
-                  <a:rPr lang="zh-CN" altLang="en-US" sz="1000" dirty="0">
+                  <a:rPr lang="zh-CN" altLang="en-US" sz="1400" dirty="0">
                     <a:solidFill>
                       <a:schemeClr val="bg1">
                         <a:lumMod val="50000"/>
@@ -35455,10 +36816,10 @@
           </p:nvGrpSpPr>
           <p:grpSpPr>
             <a:xfrm>
-              <a:off x="4785272" y="2269025"/>
-              <a:ext cx="2621455" cy="1660853"/>
-              <a:chOff x="2072688" y="1543311"/>
-              <a:chExt cx="2621455" cy="1660853"/>
+              <a:off x="4785272" y="2269024"/>
+              <a:ext cx="2621455" cy="2142856"/>
+              <a:chOff x="2072688" y="1543310"/>
+              <a:chExt cx="2621455" cy="2142856"/>
             </a:xfrm>
           </p:grpSpPr>
           <p:sp>
@@ -35469,8 +36830,8 @@
             </p:nvSpPr>
             <p:spPr>
               <a:xfrm>
-                <a:off x="2072688" y="1543311"/>
-                <a:ext cx="2621455" cy="1660853"/>
+                <a:off x="2072688" y="1543310"/>
+                <a:ext cx="2621455" cy="2142856"/>
               </a:xfrm>
               <a:prstGeom prst="rect">
                 <a:avLst/>
@@ -35756,7 +37117,7 @@
             <p:spPr>
               <a:xfrm>
                 <a:off x="2244092" y="2426086"/>
-                <a:ext cx="2278644" cy="426875"/>
+                <a:ext cx="2400441" cy="667842"/>
               </a:xfrm>
               <a:prstGeom prst="rect">
                 <a:avLst/>
@@ -35865,11 +37226,11 @@
               <a:p>
                 <a:pPr>
                   <a:lnSpc>
-                    <a:spcPct val="150000"/>
+                    <a:spcPct val="130000"/>
                   </a:lnSpc>
                 </a:pPr>
                 <a:r>
-                  <a:rPr lang="zh-CN" altLang="en-US" sz="1000" dirty="0">
+                  <a:rPr lang="zh-CN" altLang="en-US" sz="1400" dirty="0">
                     <a:solidFill>
                       <a:schemeClr val="bg1">
                         <a:lumMod val="50000"/>
@@ -36032,9 +37393,9 @@
           <p:grpSpPr>
             <a:xfrm>
               <a:off x="7839622" y="2269025"/>
-              <a:ext cx="2621455" cy="1660853"/>
+              <a:ext cx="2621455" cy="2142854"/>
               <a:chOff x="2072688" y="1543311"/>
-              <a:chExt cx="2621455" cy="1660853"/>
+              <a:chExt cx="2621455" cy="2142854"/>
             </a:xfrm>
           </p:grpSpPr>
           <p:sp>
@@ -36046,7 +37407,7 @@
             <p:spPr>
               <a:xfrm>
                 <a:off x="2072688" y="1543311"/>
-                <a:ext cx="2621455" cy="1660853"/>
+                <a:ext cx="2621455" cy="2142854"/>
               </a:xfrm>
               <a:prstGeom prst="rect">
                 <a:avLst/>
@@ -36332,7 +37693,7 @@
             <p:spPr>
               <a:xfrm>
                 <a:off x="2244092" y="2426086"/>
-                <a:ext cx="2278644" cy="296819"/>
+                <a:ext cx="2400441" cy="510040"/>
               </a:xfrm>
               <a:prstGeom prst="rect">
                 <a:avLst/>
@@ -36441,11 +37802,11 @@
               <a:p>
                 <a:pPr>
                   <a:lnSpc>
-                    <a:spcPct val="150000"/>
+                    <a:spcPct val="130000"/>
                   </a:lnSpc>
                 </a:pPr>
                 <a:r>
-                  <a:rPr lang="zh-CN" altLang="en-US" sz="1000" dirty="0">
+                  <a:rPr lang="zh-CN" altLang="en-US" sz="1400" dirty="0">
                     <a:solidFill>
                       <a:schemeClr val="bg1">
                         <a:lumMod val="50000"/>
@@ -39079,7 +40440,7 @@
             <a:p>
               <a:pPr algn="ctr"/>
               <a:r>
-                <a:rPr lang="zh-CN" altLang="en-US" sz="1400" b="1" dirty="0">
+                <a:rPr lang="zh-CN" altLang="en-US" sz="1600" b="1" dirty="0">
                   <a:solidFill>
                     <a:schemeClr val="bg1"/>
                   </a:solidFill>
@@ -39089,7 +40450,7 @@
                 </a:rPr>
                 <a:t>第一类：发明专利</a:t>
               </a:r>
-              <a:endParaRPr lang="id-ID" altLang="zh-CN" sz="1400" b="1" dirty="0">
+              <a:endParaRPr lang="id-ID" altLang="zh-CN" sz="1600" b="1" dirty="0">
                 <a:solidFill>
                   <a:schemeClr val="bg1"/>
                 </a:solidFill>
@@ -39140,7 +40501,7 @@
           </p:spPr>
           <p:txBody>
             <a:bodyPr wrap="square" lIns="91440" tIns="45720" rIns="91440" bIns="45720" anchor="t" anchorCtr="0">
-              <a:normAutofit/>
+              <a:noAutofit/>
             </a:bodyPr>
             <a:lstStyle>
               <a:defPPr>
@@ -39246,15 +40607,15 @@
                 <a:buChar char="•"/>
               </a:pPr>
               <a:r>
-                <a:rPr lang="zh-CN" altLang="en-US" sz="1000" b="1" dirty="0">
+                <a:rPr lang="zh-CN" altLang="en-US" sz="1400" b="1" dirty="0">
                   <a:latin typeface="微软雅黑" panose="020B0503020204020204" pitchFamily="34" charset="-122"/>
                   <a:ea typeface="微软雅黑" panose="020B0503020204020204" pitchFamily="34" charset="-122"/>
                   <a:sym typeface="微软雅黑" panose="020B0503020204020204" pitchFamily="34" charset="-122"/>
                 </a:rPr>
-                <a:t> 定义：</a:t>
+                <a:t>定义：</a:t>
               </a:r>
               <a:r>
-                <a:rPr lang="zh-CN" altLang="en-US" sz="1000" dirty="0">
+                <a:rPr lang="zh-CN" altLang="en-US" sz="1400" dirty="0">
                   <a:solidFill>
                     <a:schemeClr val="tx1">
                       <a:lumMod val="50000"/>
@@ -39267,7 +40628,7 @@
                 </a:rPr>
                 <a:t>对产品、方法或者其改进所提出的新的技术方案。</a:t>
               </a:r>
-              <a:endParaRPr lang="en-US" altLang="zh-CN" sz="1000" dirty="0">
+              <a:endParaRPr lang="en-US" altLang="zh-CN" sz="1400" dirty="0">
                 <a:solidFill>
                   <a:schemeClr val="tx1">
                     <a:lumMod val="50000"/>
@@ -39287,27 +40648,19 @@
                 <a:buFont typeface="Arial" panose="020B0604020202020204" pitchFamily="34" charset="0"/>
                 <a:buChar char="•"/>
               </a:pPr>
-              <a:endParaRPr lang="en-US" altLang="zh-CN" sz="1000" dirty="0">
-                <a:solidFill>
-                  <a:schemeClr val="tx1">
-                    <a:lumMod val="50000"/>
-                    <a:lumOff val="50000"/>
-                  </a:schemeClr>
-                </a:solidFill>
+              <a:endParaRPr lang="en-US" altLang="zh-CN" sz="1400" dirty="0">
                 <a:latin typeface="微软雅黑" panose="020B0503020204020204" pitchFamily="34" charset="-122"/>
                 <a:ea typeface="微软雅黑" panose="020B0503020204020204" pitchFamily="34" charset="-122"/>
                 <a:sym typeface="微软雅黑" panose="020B0503020204020204" pitchFamily="34" charset="-122"/>
               </a:endParaRPr>
             </a:p>
             <a:p>
-              <a:pPr marL="171450" indent="-171450">
+              <a:pPr>
                 <a:lnSpc>
                   <a:spcPct val="150000"/>
                 </a:lnSpc>
-                <a:buFont typeface="Arial" panose="020B0604020202020204" pitchFamily="34" charset="0"/>
-                <a:buChar char="•"/>
               </a:pPr>
-              <a:endParaRPr lang="en-US" altLang="zh-CN" sz="1000" dirty="0">
+              <a:endParaRPr lang="en-US" altLang="zh-CN" sz="1400" dirty="0">
                 <a:latin typeface="微软雅黑" panose="020B0503020204020204" pitchFamily="34" charset="-122"/>
                 <a:ea typeface="微软雅黑" panose="020B0503020204020204" pitchFamily="34" charset="-122"/>
                 <a:sym typeface="微软雅黑" panose="020B0503020204020204" pitchFamily="34" charset="-122"/>
@@ -39322,7 +40675,7 @@
                 <a:buChar char="•"/>
               </a:pPr>
               <a:r>
-                <a:rPr lang="zh-CN" altLang="en-US" sz="1000" b="1" dirty="0">
+                <a:rPr lang="zh-CN" altLang="en-US" sz="1400" b="1" dirty="0">
                   <a:latin typeface="微软雅黑" panose="020B0503020204020204" pitchFamily="34" charset="-122"/>
                   <a:ea typeface="微软雅黑" panose="020B0503020204020204" pitchFamily="34" charset="-122"/>
                   <a:sym typeface="微软雅黑" panose="020B0503020204020204" pitchFamily="34" charset="-122"/>
@@ -39330,7 +40683,7 @@
                 <a:t>特点：</a:t>
               </a:r>
               <a:r>
-                <a:rPr lang="zh-CN" altLang="en-US" sz="1000" dirty="0">
+                <a:rPr lang="zh-CN" altLang="en-US" sz="1400" dirty="0">
                   <a:solidFill>
                     <a:schemeClr val="tx1">
                       <a:lumMod val="50000"/>
@@ -39503,7 +40856,7 @@
             <a:p>
               <a:pPr algn="ctr"/>
               <a:r>
-                <a:rPr lang="zh-CN" altLang="en-US" sz="1400" b="1" dirty="0">
+                <a:rPr lang="zh-CN" altLang="en-US" sz="1600" b="1" dirty="0">
                   <a:solidFill>
                     <a:schemeClr val="bg1"/>
                   </a:solidFill>
@@ -39513,7 +40866,7 @@
                 </a:rPr>
                 <a:t>第二类：实用新型专利</a:t>
               </a:r>
-              <a:endParaRPr lang="id-ID" altLang="zh-CN" sz="1400" b="1" dirty="0">
+              <a:endParaRPr lang="id-ID" altLang="zh-CN" sz="1600" b="1" dirty="0">
                 <a:solidFill>
                   <a:schemeClr val="bg1"/>
                 </a:solidFill>
@@ -39564,7 +40917,7 @@
           </p:spPr>
           <p:txBody>
             <a:bodyPr wrap="square" lIns="91440" tIns="45720" rIns="91440" bIns="45720" anchor="t" anchorCtr="0">
-              <a:normAutofit/>
+              <a:noAutofit/>
             </a:bodyPr>
             <a:lstStyle>
               <a:defPPr>
@@ -39670,7 +41023,7 @@
                 <a:buChar char="•"/>
               </a:pPr>
               <a:r>
-                <a:rPr lang="zh-CN" altLang="en-US" sz="1000" b="1" dirty="0">
+                <a:rPr lang="zh-CN" altLang="en-US" sz="1400" b="1" dirty="0">
                   <a:latin typeface="微软雅黑" panose="020B0503020204020204" pitchFamily="34" charset="-122"/>
                   <a:ea typeface="微软雅黑" panose="020B0503020204020204" pitchFamily="34" charset="-122"/>
                   <a:sym typeface="微软雅黑" panose="020B0503020204020204" pitchFamily="34" charset="-122"/>
@@ -39678,7 +41031,7 @@
                 <a:t>定义：</a:t>
               </a:r>
               <a:r>
-                <a:rPr lang="zh-CN" altLang="en-US" sz="1000" dirty="0">
+                <a:rPr lang="zh-CN" altLang="en-US" sz="1400" dirty="0">
                   <a:solidFill>
                     <a:schemeClr val="tx1">
                       <a:lumMod val="50000"/>
@@ -39693,26 +41046,12 @@
               </a:r>
             </a:p>
             <a:p>
-              <a:pPr marL="171450" indent="-171450">
-                <a:lnSpc>
-                  <a:spcPct val="150000"/>
-                </a:lnSpc>
-                <a:buFont typeface="Arial" panose="020B0604020202020204" pitchFamily="34" charset="0"/>
-                <a:buChar char="•"/>
-              </a:pPr>
-              <a:endParaRPr lang="en-US" altLang="zh-CN" sz="1000" dirty="0">
-                <a:latin typeface="微软雅黑" panose="020B0503020204020204" pitchFamily="34" charset="-122"/>
-                <a:ea typeface="微软雅黑" panose="020B0503020204020204" pitchFamily="34" charset="-122"/>
-                <a:sym typeface="微软雅黑" panose="020B0503020204020204" pitchFamily="34" charset="-122"/>
-              </a:endParaRPr>
-            </a:p>
-            <a:p>
               <a:pPr>
                 <a:lnSpc>
                   <a:spcPct val="150000"/>
                 </a:lnSpc>
               </a:pPr>
-              <a:endParaRPr lang="en-US" altLang="zh-CN" sz="1000" dirty="0">
+              <a:endParaRPr lang="en-US" altLang="zh-CN" sz="1400" dirty="0">
                 <a:latin typeface="微软雅黑" panose="020B0503020204020204" pitchFamily="34" charset="-122"/>
                 <a:ea typeface="微软雅黑" panose="020B0503020204020204" pitchFamily="34" charset="-122"/>
                 <a:sym typeface="微软雅黑" panose="020B0503020204020204" pitchFamily="34" charset="-122"/>
@@ -39727,7 +41066,7 @@
                 <a:buChar char="•"/>
               </a:pPr>
               <a:r>
-                <a:rPr lang="zh-CN" altLang="en-US" sz="1000" b="1" dirty="0">
+                <a:rPr lang="zh-CN" altLang="en-US" sz="1400" b="1" dirty="0">
                   <a:latin typeface="微软雅黑" panose="020B0503020204020204" pitchFamily="34" charset="-122"/>
                   <a:ea typeface="微软雅黑" panose="020B0503020204020204" pitchFamily="34" charset="-122"/>
                   <a:sym typeface="微软雅黑" panose="020B0503020204020204" pitchFamily="34" charset="-122"/>
@@ -39735,7 +41074,7 @@
                 <a:t>特点：</a:t>
               </a:r>
               <a:r>
-                <a:rPr lang="zh-CN" altLang="en-US" sz="1000" dirty="0">
+                <a:rPr lang="zh-CN" altLang="en-US" sz="1400" dirty="0">
                   <a:solidFill>
                     <a:schemeClr val="tx1">
                       <a:lumMod val="50000"/>
@@ -39757,7 +41096,7 @@
                 <a:buFont typeface="Arial" panose="020B0604020202020204" pitchFamily="34" charset="0"/>
                 <a:buChar char="•"/>
               </a:pPr>
-              <a:endParaRPr lang="en-US" altLang="zh-CN" sz="1000" dirty="0">
+              <a:endParaRPr lang="en-US" altLang="zh-CN" sz="1600" dirty="0">
                 <a:latin typeface="微软雅黑" panose="020B0503020204020204" pitchFamily="34" charset="-122"/>
                 <a:ea typeface="微软雅黑" panose="020B0503020204020204" pitchFamily="34" charset="-122"/>
                 <a:sym typeface="微软雅黑" panose="020B0503020204020204" pitchFamily="34" charset="-122"/>
@@ -39922,7 +41261,7 @@
             <a:p>
               <a:pPr algn="ctr"/>
               <a:r>
-                <a:rPr lang="zh-CN" altLang="en-US" sz="1400" b="1" dirty="0">
+                <a:rPr lang="zh-CN" altLang="en-US" sz="1600" b="1" dirty="0">
                   <a:solidFill>
                     <a:schemeClr val="bg1"/>
                   </a:solidFill>
@@ -39932,7 +41271,7 @@
                 </a:rPr>
                 <a:t>第三类：外观设计专利</a:t>
               </a:r>
-              <a:endParaRPr lang="id-ID" altLang="zh-CN" sz="1400" b="1" dirty="0">
+              <a:endParaRPr lang="id-ID" altLang="zh-CN" sz="1600" b="1" dirty="0">
                 <a:solidFill>
                   <a:schemeClr val="bg1"/>
                 </a:solidFill>
@@ -39983,7 +41322,7 @@
           </p:spPr>
           <p:txBody>
             <a:bodyPr wrap="square" lIns="91440" tIns="45720" rIns="91440" bIns="45720" anchor="t" anchorCtr="0">
-              <a:normAutofit/>
+              <a:noAutofit/>
             </a:bodyPr>
             <a:lstStyle>
               <a:defPPr>
@@ -40089,7 +41428,7 @@
                 <a:buChar char="•"/>
               </a:pPr>
               <a:r>
-                <a:rPr lang="zh-CN" altLang="en-US" sz="1000" b="1" dirty="0">
+                <a:rPr lang="zh-CN" altLang="en-US" sz="1400" b="1" dirty="0">
                   <a:latin typeface="微软雅黑" panose="020B0503020204020204" pitchFamily="34" charset="-122"/>
                   <a:ea typeface="微软雅黑" panose="020B0503020204020204" pitchFamily="34" charset="-122"/>
                   <a:sym typeface="微软雅黑" panose="020B0503020204020204" pitchFamily="34" charset="-122"/>
@@ -40097,7 +41436,7 @@
                 <a:t>定义：</a:t>
               </a:r>
               <a:r>
-                <a:rPr lang="zh-CN" altLang="en-US" sz="1000" dirty="0">
+                <a:rPr lang="zh-CN" altLang="en-US" sz="1400" dirty="0">
                   <a:solidFill>
                     <a:schemeClr val="tx1">
                       <a:lumMod val="50000"/>
@@ -40110,14 +41449,7 @@
                 </a:rPr>
                 <a:t>对产品的形状、图案、或者其结合以及色彩与形状、图案的结合所作出的富于美感并适于工业上应用的新设计。</a:t>
               </a:r>
-            </a:p>
-            <a:p>
-              <a:pPr>
-                <a:lnSpc>
-                  <a:spcPct val="150000"/>
-                </a:lnSpc>
-              </a:pPr>
-              <a:endParaRPr lang="en-US" altLang="zh-CN" sz="1000" dirty="0">
+              <a:endParaRPr lang="en-US" altLang="zh-CN" sz="1400" dirty="0">
                 <a:latin typeface="微软雅黑" panose="020B0503020204020204" pitchFamily="34" charset="-122"/>
                 <a:ea typeface="微软雅黑" panose="020B0503020204020204" pitchFamily="34" charset="-122"/>
                 <a:sym typeface="微软雅黑" panose="020B0503020204020204" pitchFamily="34" charset="-122"/>
@@ -40132,7 +41464,7 @@
                 <a:buChar char="•"/>
               </a:pPr>
               <a:r>
-                <a:rPr lang="zh-CN" altLang="en-US" sz="1000" b="1" dirty="0">
+                <a:rPr lang="zh-CN" altLang="en-US" sz="1400" b="1" dirty="0">
                   <a:latin typeface="微软雅黑" panose="020B0503020204020204" pitchFamily="34" charset="-122"/>
                   <a:ea typeface="微软雅黑" panose="020B0503020204020204" pitchFamily="34" charset="-122"/>
                   <a:sym typeface="微软雅黑" panose="020B0503020204020204" pitchFamily="34" charset="-122"/>
@@ -40140,7 +41472,7 @@
                 <a:t>特点：</a:t>
               </a:r>
               <a:r>
-                <a:rPr lang="zh-CN" altLang="en-US" sz="1000" dirty="0">
+                <a:rPr lang="zh-CN" altLang="en-US" sz="1400" dirty="0">
                   <a:solidFill>
                     <a:schemeClr val="tx1">
                       <a:lumMod val="50000"/>
@@ -44013,12 +45345,6 @@
 </file>
 
 <file path=customXml/item2.xml><?xml version="1.0" encoding="utf-8"?>
-<p:properties xmlns:p="http://schemas.microsoft.com/office/2006/metadata/properties" xmlns:xsi="http://www.w3.org/2001/XMLSchema-instance" xmlns:pc="http://schemas.microsoft.com/office/infopath/2007/PartnerControls">
-  <documentManagement/>
-</p:properties>
-</file>
-
-<file path=customXml/item3.xml><?xml version="1.0" encoding="utf-8"?>
 <ct:contentTypeSchema xmlns:ct="http://schemas.microsoft.com/office/2006/metadata/contentType" xmlns:ma="http://schemas.microsoft.com/office/2006/metadata/properties/metaAttributes" ct:_="" ma:_="" ma:contentTypeName="Document" ma:contentTypeID="0x0101006E0EB30F686F194AA67D757CBD70F92C" ma:contentTypeVersion="2" ma:contentTypeDescription="Create a new document." ma:contentTypeScope="" ma:versionID="c3dbad76c1e8e6804689430214ea30eb">
   <xsd:schema xmlns:xsd="http://www.w3.org/2001/XMLSchema" xmlns:xs="http://www.w3.org/2001/XMLSchema" xmlns:p="http://schemas.microsoft.com/office/2006/metadata/properties" xmlns:ns3="6f9bcde5-01f2-4bdb-a78a-2849fb5e977a" targetNamespace="http://schemas.microsoft.com/office/2006/metadata/properties" ma:root="true" ma:fieldsID="223ae7ef4c6573733f8cc7c241e157e8" ns3:_="">
     <xsd:import namespace="6f9bcde5-01f2-4bdb-a78a-2849fb5e977a"/>
@@ -44150,6 +45476,12 @@
 </ct:contentTypeSchema>
 </file>
 
+<file path=customXml/item3.xml><?xml version="1.0" encoding="utf-8"?>
+<p:properties xmlns:p="http://schemas.microsoft.com/office/2006/metadata/properties" xmlns:xsi="http://www.w3.org/2001/XMLSchema-instance" xmlns:pc="http://schemas.microsoft.com/office/infopath/2007/PartnerControls">
+  <documentManagement/>
+</p:properties>
+</file>
+
 <file path=customXml/itemProps1.xml><?xml version="1.0" encoding="utf-8"?>
 <ds:datastoreItem xmlns:ds="http://schemas.openxmlformats.org/officeDocument/2006/customXml" ds:itemID="{62349105-16F2-41B5-AFFE-2D5B4EF28A38}">
   <ds:schemaRefs>
@@ -44159,22 +45491,6 @@
 </file>
 
 <file path=customXml/itemProps2.xml><?xml version="1.0" encoding="utf-8"?>
-<ds:datastoreItem xmlns:ds="http://schemas.openxmlformats.org/officeDocument/2006/customXml" ds:itemID="{448878EF-B006-465F-830E-E98DB28F773E}">
-  <ds:schemaRefs>
-    <ds:schemaRef ds:uri="http://schemas.openxmlformats.org/package/2006/metadata/core-properties"/>
-    <ds:schemaRef ds:uri="http://purl.org/dc/dcmitype/"/>
-    <ds:schemaRef ds:uri="http://schemas.microsoft.com/office/2006/documentManagement/types"/>
-    <ds:schemaRef ds:uri="http://purl.org/dc/terms/"/>
-    <ds:schemaRef ds:uri="http://purl.org/dc/elements/1.1/"/>
-    <ds:schemaRef ds:uri="http://www.w3.org/XML/1998/namespace"/>
-    <ds:schemaRef ds:uri="http://schemas.microsoft.com/office/infopath/2007/PartnerControls"/>
-    <ds:schemaRef ds:uri="6f9bcde5-01f2-4bdb-a78a-2849fb5e977a"/>
-    <ds:schemaRef ds:uri="http://schemas.microsoft.com/office/2006/metadata/properties"/>
-  </ds:schemaRefs>
-</ds:datastoreItem>
-</file>
-
-<file path=customXml/itemProps3.xml><?xml version="1.0" encoding="utf-8"?>
 <ds:datastoreItem xmlns:ds="http://schemas.openxmlformats.org/officeDocument/2006/customXml" ds:itemID="{00A3FF70-70D3-4E82-A23C-9AB2C6AC5CB7}">
   <ds:schemaRefs>
     <ds:schemaRef ds:uri="http://schemas.microsoft.com/office/2006/metadata/contentType"/>
@@ -44190,4 +45506,20 @@
     <ds:schemaRef ds:uri="http://schemas.microsoft.com/internal/obd"/>
   </ds:schemaRefs>
 </ds:datastoreItem>
+</file>
+
+<file path=customXml/itemProps3.xml><?xml version="1.0" encoding="utf-8"?>
+<ds:datastoreItem xmlns:ds="http://schemas.openxmlformats.org/officeDocument/2006/customXml" ds:itemID="{448878EF-B006-465F-830E-E98DB28F773E}">
+  <ds:schemaRefs>
+    <ds:schemaRef ds:uri="http://purl.org/dc/dcmitype/"/>
+    <ds:schemaRef ds:uri="http://schemas.microsoft.com/office/2006/documentManagement/types"/>
+    <ds:schemaRef ds:uri="http://schemas.microsoft.com/office/2006/metadata/properties"/>
+    <ds:schemaRef ds:uri="http://www.w3.org/XML/1998/namespace"/>
+    <ds:schemaRef ds:uri="http://purl.org/dc/elements/1.1/"/>
+    <ds:schemaRef ds:uri="http://schemas.microsoft.com/office/infopath/2007/PartnerControls"/>
+    <ds:schemaRef ds:uri="http://schemas.openxmlformats.org/package/2006/metadata/core-properties"/>
+    <ds:schemaRef ds:uri="6f9bcde5-01f2-4bdb-a78a-2849fb5e977a"/>
+    <ds:schemaRef ds:uri="http://purl.org/dc/terms/"/>
+  </ds:schemaRefs>
+</ds:datastoreItem>
 </file>